--- a/專題海報.pptx
+++ b/專題海報.pptx
@@ -336,7 +336,7 @@
           <a:p>
             <a:fld id="{2CBEA777-5D2E-4814-8E51-D586D0D2DC45}" type="datetimeFigureOut">
               <a:rPr lang="zh-TW" altLang="en-US" smtClean="0"/>
-              <a:t>2022/11/13</a:t>
+              <a:t>2022/11/23</a:t>
             </a:fld>
             <a:endParaRPr lang="zh-TW" altLang="en-US"/>
           </a:p>
@@ -506,7 +506,7 @@
           <a:p>
             <a:fld id="{2CBEA777-5D2E-4814-8E51-D586D0D2DC45}" type="datetimeFigureOut">
               <a:rPr lang="zh-TW" altLang="en-US" smtClean="0"/>
-              <a:t>2022/11/13</a:t>
+              <a:t>2022/11/23</a:t>
             </a:fld>
             <a:endParaRPr lang="zh-TW" altLang="en-US"/>
           </a:p>
@@ -686,7 +686,7 @@
           <a:p>
             <a:fld id="{2CBEA777-5D2E-4814-8E51-D586D0D2DC45}" type="datetimeFigureOut">
               <a:rPr lang="zh-TW" altLang="en-US" smtClean="0"/>
-              <a:t>2022/11/13</a:t>
+              <a:t>2022/11/23</a:t>
             </a:fld>
             <a:endParaRPr lang="zh-TW" altLang="en-US"/>
           </a:p>
@@ -856,7 +856,7 @@
           <a:p>
             <a:fld id="{2CBEA777-5D2E-4814-8E51-D586D0D2DC45}" type="datetimeFigureOut">
               <a:rPr lang="zh-TW" altLang="en-US" smtClean="0"/>
-              <a:t>2022/11/13</a:t>
+              <a:t>2022/11/23</a:t>
             </a:fld>
             <a:endParaRPr lang="zh-TW" altLang="en-US"/>
           </a:p>
@@ -1114,7 +1114,7 @@
           <a:p>
             <a:fld id="{2CBEA777-5D2E-4814-8E51-D586D0D2DC45}" type="datetimeFigureOut">
               <a:rPr lang="zh-TW" altLang="en-US" smtClean="0"/>
-              <a:t>2022/11/13</a:t>
+              <a:t>2022/11/23</a:t>
             </a:fld>
             <a:endParaRPr lang="zh-TW" altLang="en-US"/>
           </a:p>
@@ -1402,7 +1402,7 @@
           <a:p>
             <a:fld id="{2CBEA777-5D2E-4814-8E51-D586D0D2DC45}" type="datetimeFigureOut">
               <a:rPr lang="zh-TW" altLang="en-US" smtClean="0"/>
-              <a:t>2022/11/13</a:t>
+              <a:t>2022/11/23</a:t>
             </a:fld>
             <a:endParaRPr lang="zh-TW" altLang="en-US"/>
           </a:p>
@@ -1844,7 +1844,7 @@
           <a:p>
             <a:fld id="{2CBEA777-5D2E-4814-8E51-D586D0D2DC45}" type="datetimeFigureOut">
               <a:rPr lang="zh-TW" altLang="en-US" smtClean="0"/>
-              <a:t>2022/11/13</a:t>
+              <a:t>2022/11/23</a:t>
             </a:fld>
             <a:endParaRPr lang="zh-TW" altLang="en-US"/>
           </a:p>
@@ -1962,7 +1962,7 @@
           <a:p>
             <a:fld id="{2CBEA777-5D2E-4814-8E51-D586D0D2DC45}" type="datetimeFigureOut">
               <a:rPr lang="zh-TW" altLang="en-US" smtClean="0"/>
-              <a:t>2022/11/13</a:t>
+              <a:t>2022/11/23</a:t>
             </a:fld>
             <a:endParaRPr lang="zh-TW" altLang="en-US"/>
           </a:p>
@@ -2057,7 +2057,7 @@
           <a:p>
             <a:fld id="{2CBEA777-5D2E-4814-8E51-D586D0D2DC45}" type="datetimeFigureOut">
               <a:rPr lang="zh-TW" altLang="en-US" smtClean="0"/>
-              <a:t>2022/11/13</a:t>
+              <a:t>2022/11/23</a:t>
             </a:fld>
             <a:endParaRPr lang="zh-TW" altLang="en-US"/>
           </a:p>
@@ -2348,7 +2348,7 @@
           <a:p>
             <a:fld id="{2CBEA777-5D2E-4814-8E51-D586D0D2DC45}" type="datetimeFigureOut">
               <a:rPr lang="zh-TW" altLang="en-US" smtClean="0"/>
-              <a:t>2022/11/13</a:t>
+              <a:t>2022/11/23</a:t>
             </a:fld>
             <a:endParaRPr lang="zh-TW" altLang="en-US"/>
           </a:p>
@@ -2624,7 +2624,7 @@
           <a:p>
             <a:fld id="{2CBEA777-5D2E-4814-8E51-D586D0D2DC45}" type="datetimeFigureOut">
               <a:rPr lang="zh-TW" altLang="en-US" smtClean="0"/>
-              <a:t>2022/11/13</a:t>
+              <a:t>2022/11/23</a:t>
             </a:fld>
             <a:endParaRPr lang="zh-TW" altLang="en-US"/>
           </a:p>
@@ -2921,7 +2921,7 @@
           <a:p>
             <a:fld id="{2CBEA777-5D2E-4814-8E51-D586D0D2DC45}" type="datetimeFigureOut">
               <a:rPr lang="zh-TW" altLang="en-US" smtClean="0"/>
-              <a:t>2022/11/13</a:t>
+              <a:t>2022/11/23</a:t>
             </a:fld>
             <a:endParaRPr lang="zh-TW" altLang="en-US"/>
           </a:p>
@@ -3403,36 +3403,6 @@
           <a:chExt cx="0" cy="0"/>
         </a:xfrm>
       </p:grpSpPr>
-      <p:pic>
-        <p:nvPicPr>
-          <p:cNvPr id="2" name="圖片 1">
-            <a:extLst>
-              <a:ext uri="{FF2B5EF4-FFF2-40B4-BE49-F238E27FC236}">
-                <a16:creationId xmlns:a16="http://schemas.microsoft.com/office/drawing/2014/main" id="{9EE44874-3C05-4182-BB6E-638B7784E392}"/>
-              </a:ext>
-            </a:extLst>
-          </p:cNvPr>
-          <p:cNvPicPr>
-            <a:picLocks noChangeAspect="1"/>
-          </p:cNvPicPr>
-          <p:nvPr/>
-        </p:nvPicPr>
-        <p:blipFill>
-          <a:blip r:embed="rId2"/>
-          <a:stretch>
-            <a:fillRect/>
-          </a:stretch>
-        </p:blipFill>
-        <p:spPr>
-          <a:xfrm>
-            <a:off x="10807348" y="23370379"/>
-            <a:ext cx="9090621" cy="5250107"/>
-          </a:xfrm>
-          <a:prstGeom prst="rect">
-            <a:avLst/>
-          </a:prstGeom>
-        </p:spPr>
-      </p:pic>
       <p:sp>
         <p:nvSpPr>
           <p:cNvPr id="3" name="標題 3">
@@ -3488,21 +3458,23 @@
           </a:lstStyle>
           <a:p>
             <a:r>
-              <a:rPr lang="en-US" altLang="zh-TW" sz="14031" b="1">
+              <a:rPr lang="en-US" altLang="zh-TW" sz="14031" b="1" dirty="0">
                 <a:solidFill>
                   <a:schemeClr val="accent1">
                     <a:lumMod val="75000"/>
                   </a:schemeClr>
                 </a:solidFill>
+                <a:latin typeface="+mj-ea"/>
               </a:rPr>
               <a:t>KEYPRO</a:t>
             </a:r>
-            <a:endParaRPr lang="zh-TW" altLang="en-US" sz="14031" b="1">
+            <a:endParaRPr lang="zh-TW" altLang="en-US" sz="14031" b="1" dirty="0">
               <a:solidFill>
                 <a:schemeClr val="accent1">
                   <a:lumMod val="75000"/>
                 </a:schemeClr>
               </a:solidFill>
+              <a:latin typeface="+mj-ea"/>
             </a:endParaRPr>
           </a:p>
         </p:txBody>
@@ -3995,8 +3967,8 @@
         </p:nvGrpSpPr>
         <p:grpSpPr>
           <a:xfrm>
-            <a:off x="391351" y="4917843"/>
-            <a:ext cx="7777951" cy="4035791"/>
+            <a:off x="345858" y="3943730"/>
+            <a:ext cx="8012200" cy="4459359"/>
             <a:chOff x="2734415" y="1154970"/>
             <a:chExt cx="2500875" cy="991683"/>
           </a:xfrm>
@@ -4088,9 +4060,9 @@
             <p:grpSpPr>
               <a:xfrm>
                 <a:off x="4305924" y="2065693"/>
-                <a:ext cx="1414281" cy="594453"/>
+                <a:ext cx="1414281" cy="569013"/>
                 <a:chOff x="4305924" y="2065693"/>
-                <a:chExt cx="1414281" cy="594453"/>
+                <a:chExt cx="1414281" cy="569013"/>
               </a:xfrm>
             </p:grpSpPr>
             <p:sp>
@@ -4159,7 +4131,7 @@
               <p:spPr>
                 <a:xfrm>
                   <a:off x="4305924" y="2392314"/>
-                  <a:ext cx="1414281" cy="267832"/>
+                  <a:ext cx="1414281" cy="242392"/>
                 </a:xfrm>
                 <a:prstGeom prst="rect">
                   <a:avLst/>
@@ -4173,39 +4145,57 @@
                 <a:lstStyle/>
                 <a:p>
                   <a:r>
-                    <a:rPr lang="zh-TW" altLang="en-US" sz="2000"/>
+                    <a:rPr lang="zh-TW" altLang="en-US" sz="2000" dirty="0">
+                      <a:latin typeface="+mn-ea"/>
+                    </a:rPr>
                     <a:t>由於資訊科技愈發進步，資訊傳送的安全也愈發重 要。本專題以 </a:t>
                   </a:r>
                   <a:r>
-                    <a:rPr lang="en-US" altLang="zh-TW" sz="2000"/>
+                    <a:rPr lang="en-US" altLang="zh-TW" sz="2000" dirty="0">
+                      <a:latin typeface="+mn-ea"/>
+                    </a:rPr>
                     <a:t>Verilog </a:t>
                   </a:r>
                   <a:r>
-                    <a:rPr lang="zh-TW" altLang="en-US" sz="2000"/>
+                    <a:rPr lang="zh-TW" altLang="en-US" sz="2000" dirty="0">
+                      <a:latin typeface="+mn-ea"/>
+                    </a:rPr>
                     <a:t>撰寫程式，配合</a:t>
                   </a:r>
                   <a:r>
-                    <a:rPr lang="en-US" altLang="zh-TW" sz="2000"/>
+                    <a:rPr lang="en-US" altLang="zh-TW" sz="2000" dirty="0">
+                      <a:latin typeface="+mn-ea"/>
+                    </a:rPr>
                     <a:t>RS-232 </a:t>
                   </a:r>
                   <a:r>
-                    <a:rPr lang="zh-TW" altLang="en-US" sz="2000"/>
+                    <a:rPr lang="zh-TW" altLang="en-US" sz="2000" dirty="0">
+                      <a:latin typeface="+mn-ea"/>
+                    </a:rPr>
                     <a:t>通訊裝置從電腦 端取得資料，經過 </a:t>
                   </a:r>
                   <a:r>
-                    <a:rPr lang="en-US" altLang="zh-TW" sz="2000"/>
+                    <a:rPr lang="en-US" altLang="zh-TW" sz="2000" dirty="0">
+                      <a:latin typeface="+mn-ea"/>
+                    </a:rPr>
                     <a:t>FPGA </a:t>
                   </a:r>
                   <a:r>
-                    <a:rPr lang="zh-TW" altLang="en-US" sz="2000"/>
+                    <a:rPr lang="zh-TW" altLang="en-US" sz="2000" dirty="0">
+                      <a:latin typeface="+mn-ea"/>
+                    </a:rPr>
                     <a:t>及 </a:t>
                   </a:r>
                   <a:r>
-                    <a:rPr lang="en-US" altLang="zh-TW" sz="2000"/>
+                    <a:rPr lang="en-US" altLang="zh-TW" sz="2000" dirty="0">
+                      <a:latin typeface="+mn-ea"/>
+                    </a:rPr>
                     <a:t>AES </a:t>
                   </a:r>
                   <a:r>
-                    <a:rPr lang="zh-TW" altLang="en-US" sz="2000"/>
+                    <a:rPr lang="zh-TW" altLang="en-US" sz="2000" dirty="0">
+                      <a:latin typeface="+mn-ea"/>
+                    </a:rPr>
                     <a:t>加密處理後回傳資訊。</a:t>
                   </a:r>
                 </a:p>
@@ -4228,7 +4218,7 @@
             <p:nvPr/>
           </p:nvPicPr>
           <p:blipFill rotWithShape="1">
-            <a:blip r:embed="rId3"/>
+            <a:blip r:embed="rId2"/>
             <a:srcRect t="15946" r="1643" b="6944"/>
             <a:stretch/>
           </p:blipFill>
@@ -4257,8 +4247,8 @@
         </p:nvGrpSpPr>
         <p:grpSpPr>
           <a:xfrm>
-            <a:off x="400816" y="22339613"/>
-            <a:ext cx="20274975" cy="6414954"/>
+            <a:off x="400816" y="20897058"/>
+            <a:ext cx="20655455" cy="9071313"/>
             <a:chOff x="4236720" y="2124306"/>
             <a:chExt cx="2225040" cy="1617114"/>
           </a:xfrm>
@@ -4330,7 +4320,7 @@
           <p:spPr>
             <a:xfrm>
               <a:off x="4355052" y="2124306"/>
-              <a:ext cx="599063" cy="197844"/>
+              <a:ext cx="624711" cy="139909"/>
             </a:xfrm>
             <a:prstGeom prst="rect">
               <a:avLst/>
@@ -4357,14 +4347,14 @@
             <a:p>
               <a:pPr algn="ctr"/>
               <a:r>
-                <a:rPr lang="zh-TW" altLang="en-US" sz="4500">
+                <a:rPr lang="zh-TW" altLang="en-US" sz="4500" dirty="0">
                   <a:solidFill>
                     <a:schemeClr val="accent1">
                       <a:lumMod val="75000"/>
                     </a:schemeClr>
                   </a:solidFill>
                 </a:rPr>
-                <a:t>總結與實作成果</a:t>
+                <a:t>模擬結果與實作成果</a:t>
               </a:r>
             </a:p>
           </p:txBody>
@@ -4384,10 +4374,10 @@
         </p:nvGrpSpPr>
         <p:grpSpPr>
           <a:xfrm>
-            <a:off x="451054" y="15711590"/>
-            <a:ext cx="9178252" cy="5396130"/>
-            <a:chOff x="128547" y="4892400"/>
-            <a:chExt cx="2943582" cy="1668980"/>
+            <a:off x="10526485" y="14964689"/>
+            <a:ext cx="10234599" cy="5826341"/>
+            <a:chOff x="128547" y="5029007"/>
+            <a:chExt cx="2943582" cy="1532374"/>
           </a:xfrm>
         </p:grpSpPr>
         <p:grpSp>
@@ -4404,10 +4394,10 @@
           </p:nvGrpSpPr>
           <p:grpSpPr>
             <a:xfrm>
-              <a:off x="128547" y="4892400"/>
-              <a:ext cx="2943582" cy="1668980"/>
-              <a:chOff x="4202692" y="1950320"/>
-              <a:chExt cx="1017273" cy="1791100"/>
+              <a:off x="128547" y="5029007"/>
+              <a:ext cx="2943582" cy="1532374"/>
+              <a:chOff x="4202692" y="2096922"/>
+              <a:chExt cx="1017273" cy="1644498"/>
             </a:xfrm>
           </p:grpSpPr>
           <p:sp>
@@ -4462,185 +4452,163 @@
               </a:p>
             </p:txBody>
           </p:sp>
-          <p:grpSp>
-            <p:nvGrpSpPr>
-              <p:cNvPr id="45" name="群組 44">
+          <p:sp>
+            <p:nvSpPr>
+              <p:cNvPr id="52" name="文字方塊 51">
                 <a:extLst>
                   <a:ext uri="{FF2B5EF4-FFF2-40B4-BE49-F238E27FC236}">
-                    <a16:creationId xmlns:a16="http://schemas.microsoft.com/office/drawing/2014/main" id="{E65CC07C-C2D3-4EE8-974B-97C70EDC688E}"/>
+                    <a16:creationId xmlns:a16="http://schemas.microsoft.com/office/drawing/2014/main" id="{AA7526CF-170E-4510-8670-D5CFECA96262}"/>
                   </a:ext>
                 </a:extLst>
               </p:cNvPr>
-              <p:cNvGrpSpPr/>
+              <p:cNvSpPr txBox="1"/>
               <p:nvPr/>
-            </p:nvGrpSpPr>
-            <p:grpSpPr>
+            </p:nvSpPr>
+            <p:spPr>
               <a:xfrm>
-                <a:off x="4276846" y="1950320"/>
-                <a:ext cx="861051" cy="634819"/>
-                <a:chOff x="4276846" y="1950320"/>
-                <a:chExt cx="861051" cy="634819"/>
+                <a:off x="4265833" y="2339901"/>
+                <a:ext cx="924582" cy="234964"/>
               </a:xfrm>
-            </p:grpSpPr>
-            <p:sp>
-              <p:nvSpPr>
-                <p:cNvPr id="51" name="文字方塊 50">
-                  <a:extLst>
-                    <a:ext uri="{FF2B5EF4-FFF2-40B4-BE49-F238E27FC236}">
-                      <a16:creationId xmlns:a16="http://schemas.microsoft.com/office/drawing/2014/main" id="{85A250B9-2720-4A70-A318-76F156F81A58}"/>
-                    </a:ext>
-                  </a:extLst>
-                </p:cNvPr>
-                <p:cNvSpPr txBox="1"/>
-                <p:nvPr/>
-              </p:nvSpPr>
-              <p:spPr>
-                <a:xfrm>
-                  <a:off x="4314348" y="1950320"/>
-                  <a:ext cx="316290" cy="270122"/>
-                </a:xfrm>
-                <a:prstGeom prst="rect">
-                  <a:avLst/>
-                </a:prstGeom>
-                <a:solidFill>
-                  <a:schemeClr val="accent1"/>
-                </a:solidFill>
-                <a:ln>
-                  <a:solidFill>
-                    <a:schemeClr val="accent1">
-                      <a:lumMod val="75000"/>
-                    </a:schemeClr>
-                  </a:solidFill>
-                </a:ln>
-              </p:spPr>
-              <p:txBody>
-                <a:bodyPr wrap="square" rtlCol="0">
-                  <a:spAutoFit/>
-                </a:bodyPr>
-                <a:lstStyle/>
-                <a:p>
-                  <a:pPr algn="ctr"/>
-                  <a:r>
-                    <a:rPr lang="en-US" altLang="zh-TW" sz="4500">
-                      <a:solidFill>
-                        <a:schemeClr val="bg1"/>
-                      </a:solidFill>
-                    </a:rPr>
-                    <a:t>Aes</a:t>
-                  </a:r>
-                  <a:r>
-                    <a:rPr lang="zh-TW" altLang="en-US" sz="4500">
-                      <a:solidFill>
-                        <a:schemeClr val="bg1"/>
-                      </a:solidFill>
-                    </a:rPr>
-                    <a:t>原理</a:t>
-                  </a:r>
-                </a:p>
-              </p:txBody>
-            </p:sp>
-            <p:sp>
-              <p:nvSpPr>
-                <p:cNvPr id="52" name="文字方塊 51">
-                  <a:extLst>
-                    <a:ext uri="{FF2B5EF4-FFF2-40B4-BE49-F238E27FC236}">
-                      <a16:creationId xmlns:a16="http://schemas.microsoft.com/office/drawing/2014/main" id="{AA7526CF-170E-4510-8670-D5CFECA96262}"/>
-                    </a:ext>
-                  </a:extLst>
-                </p:cNvPr>
-                <p:cNvSpPr txBox="1"/>
-                <p:nvPr/>
-              </p:nvSpPr>
-              <p:spPr>
-                <a:xfrm>
-                  <a:off x="4276846" y="2341499"/>
-                  <a:ext cx="861051" cy="243640"/>
-                </a:xfrm>
-                <a:prstGeom prst="rect">
-                  <a:avLst/>
-                </a:prstGeom>
-                <a:noFill/>
-              </p:spPr>
-              <p:txBody>
-                <a:bodyPr wrap="square" rtlCol="0">
-                  <a:spAutoFit/>
-                </a:bodyPr>
-                <a:lstStyle/>
-                <a:p>
-                  <a:r>
-                    <a:rPr lang="en-US" altLang="zh-TW" sz="2000">
-                      <a:latin typeface="+mj-ea"/>
-                      <a:ea typeface="+mj-ea"/>
-                    </a:rPr>
-                    <a:t>AES </a:t>
-                  </a:r>
-                  <a:r>
-                    <a:rPr lang="zh-TW" altLang="en-US" sz="2000">
-                      <a:latin typeface="+mj-ea"/>
-                      <a:ea typeface="+mj-ea"/>
-                    </a:rPr>
-                    <a:t>部分主要參照理論以位元組代換</a:t>
-                  </a:r>
-                  <a:r>
-                    <a:rPr lang="en-US" altLang="zh-TW" sz="2000">
-                      <a:latin typeface="+mj-ea"/>
-                      <a:ea typeface="+mj-ea"/>
-                    </a:rPr>
-                    <a:t>(SubByte) </a:t>
-                  </a:r>
-                  <a:r>
-                    <a:rPr lang="zh-TW" altLang="en-US" sz="2000">
-                      <a:latin typeface="+mj-ea"/>
-                      <a:ea typeface="+mj-ea"/>
-                    </a:rPr>
-                    <a:t>、行移位</a:t>
-                  </a:r>
-                  <a:r>
-                    <a:rPr lang="en-US" altLang="zh-TW" sz="2000">
-                      <a:latin typeface="+mj-ea"/>
-                      <a:ea typeface="+mj-ea"/>
-                    </a:rPr>
-                    <a:t>(ShiftRow) </a:t>
-                  </a:r>
-                  <a:r>
-                    <a:rPr lang="zh-TW" altLang="en-US" sz="2000">
-                      <a:latin typeface="+mj-ea"/>
-                      <a:ea typeface="+mj-ea"/>
-                    </a:rPr>
-                    <a:t>、列混合 </a:t>
-                  </a:r>
-                  <a:r>
-                    <a:rPr lang="en-US" altLang="zh-TW" sz="2000">
-                      <a:latin typeface="+mj-ea"/>
-                      <a:ea typeface="+mj-ea"/>
-                    </a:rPr>
-                    <a:t>(MixColumn) </a:t>
-                  </a:r>
-                  <a:r>
-                    <a:rPr lang="zh-TW" altLang="en-US" sz="2000">
-                      <a:latin typeface="+mj-ea"/>
-                      <a:ea typeface="+mj-ea"/>
-                    </a:rPr>
-                    <a:t>、輪金鑰加</a:t>
-                  </a:r>
-                  <a:r>
-                    <a:rPr lang="en-US" altLang="zh-TW" sz="2000">
-                      <a:latin typeface="+mj-ea"/>
-                      <a:ea typeface="+mj-ea"/>
-                    </a:rPr>
-                    <a:t>(AddRoundKey) </a:t>
-                  </a:r>
-                  <a:r>
-                    <a:rPr lang="zh-TW" altLang="en-US" sz="2000">
-                      <a:latin typeface="+mj-ea"/>
-                      <a:ea typeface="+mj-ea"/>
-                    </a:rPr>
-                    <a:t>實現</a:t>
-                  </a:r>
-                </a:p>
-              </p:txBody>
-            </p:sp>
-          </p:grpSp>
+              <a:prstGeom prst="rect">
+                <a:avLst/>
+              </a:prstGeom>
+              <a:noFill/>
+            </p:spPr>
+            <p:txBody>
+              <a:bodyPr wrap="square" rtlCol="0">
+                <a:spAutoFit/>
+              </a:bodyPr>
+              <a:lstStyle/>
+              <a:p>
+                <a:r>
+                  <a:rPr lang="en-US" altLang="zh-TW" sz="2000" dirty="0">
+                    <a:latin typeface="+mj-ea"/>
+                    <a:ea typeface="+mj-ea"/>
+                  </a:rPr>
+                  <a:t>AES </a:t>
+                </a:r>
+                <a:r>
+                  <a:rPr lang="zh-TW" altLang="en-US" sz="2000" dirty="0">
+                    <a:latin typeface="+mj-ea"/>
+                    <a:ea typeface="+mj-ea"/>
+                  </a:rPr>
+                  <a:t>部分主要參照理論以位元組代換</a:t>
+                </a:r>
+                <a:r>
+                  <a:rPr lang="en-US" altLang="zh-TW" sz="2000" dirty="0">
+                    <a:latin typeface="+mj-ea"/>
+                    <a:ea typeface="+mj-ea"/>
+                  </a:rPr>
+                  <a:t>(</a:t>
+                </a:r>
+                <a:r>
+                  <a:rPr lang="en-US" altLang="zh-TW" sz="2000" dirty="0" err="1">
+                    <a:latin typeface="+mj-ea"/>
+                    <a:ea typeface="+mj-ea"/>
+                  </a:rPr>
+                  <a:t>SubByte</a:t>
+                </a:r>
+                <a:r>
+                  <a:rPr lang="en-US" altLang="zh-TW" sz="2000" dirty="0">
+                    <a:latin typeface="+mj-ea"/>
+                    <a:ea typeface="+mj-ea"/>
+                  </a:rPr>
+                  <a:t>) </a:t>
+                </a:r>
+                <a:r>
+                  <a:rPr lang="zh-TW" altLang="en-US" sz="2000" dirty="0">
+                    <a:latin typeface="+mj-ea"/>
+                    <a:ea typeface="+mj-ea"/>
+                  </a:rPr>
+                  <a:t>、行移位</a:t>
+                </a:r>
+                <a:r>
+                  <a:rPr lang="en-US" altLang="zh-TW" sz="2000" dirty="0">
+                    <a:latin typeface="+mj-ea"/>
+                    <a:ea typeface="+mj-ea"/>
+                  </a:rPr>
+                  <a:t>(</a:t>
+                </a:r>
+                <a:r>
+                  <a:rPr lang="en-US" altLang="zh-TW" sz="2000" dirty="0" err="1">
+                    <a:latin typeface="+mj-ea"/>
+                    <a:ea typeface="+mj-ea"/>
+                  </a:rPr>
+                  <a:t>ShiftRow</a:t>
+                </a:r>
+                <a:r>
+                  <a:rPr lang="en-US" altLang="zh-TW" sz="2000" dirty="0">
+                    <a:latin typeface="+mj-ea"/>
+                    <a:ea typeface="+mj-ea"/>
+                  </a:rPr>
+                  <a:t>) </a:t>
+                </a:r>
+                <a:r>
+                  <a:rPr lang="zh-TW" altLang="en-US" sz="2000" dirty="0">
+                    <a:latin typeface="+mj-ea"/>
+                    <a:ea typeface="+mj-ea"/>
+                  </a:rPr>
+                  <a:t>、列混合 </a:t>
+                </a:r>
+                <a:r>
+                  <a:rPr lang="en-US" altLang="zh-TW" sz="2000" dirty="0">
+                    <a:latin typeface="+mj-ea"/>
+                    <a:ea typeface="+mj-ea"/>
+                  </a:rPr>
+                  <a:t>(</a:t>
+                </a:r>
+                <a:r>
+                  <a:rPr lang="en-US" altLang="zh-TW" sz="2000" dirty="0" err="1">
+                    <a:latin typeface="+mj-ea"/>
+                    <a:ea typeface="+mj-ea"/>
+                  </a:rPr>
+                  <a:t>MixColumn</a:t>
+                </a:r>
+                <a:r>
+                  <a:rPr lang="en-US" altLang="zh-TW" sz="2000" dirty="0">
+                    <a:latin typeface="+mj-ea"/>
+                    <a:ea typeface="+mj-ea"/>
+                  </a:rPr>
+                  <a:t>) </a:t>
+                </a:r>
+                <a:r>
+                  <a:rPr lang="zh-TW" altLang="en-US" sz="2000" dirty="0">
+                    <a:latin typeface="+mj-ea"/>
+                    <a:ea typeface="+mj-ea"/>
+                  </a:rPr>
+                  <a:t>、輪金鑰加</a:t>
+                </a:r>
+                <a:r>
+                  <a:rPr lang="en-US" altLang="zh-TW" sz="2000" dirty="0">
+                    <a:latin typeface="+mj-ea"/>
+                    <a:ea typeface="+mj-ea"/>
+                  </a:rPr>
+                  <a:t>(</a:t>
+                </a:r>
+                <a:r>
+                  <a:rPr lang="en-US" altLang="zh-TW" sz="2000" dirty="0" err="1">
+                    <a:latin typeface="+mj-ea"/>
+                    <a:ea typeface="+mj-ea"/>
+                  </a:rPr>
+                  <a:t>AddRoundKey</a:t>
+                </a:r>
+                <a:r>
+                  <a:rPr lang="en-US" altLang="zh-TW" sz="2000" dirty="0">
+                    <a:latin typeface="+mj-ea"/>
+                    <a:ea typeface="+mj-ea"/>
+                  </a:rPr>
+                  <a:t>) </a:t>
+                </a:r>
+                <a:r>
+                  <a:rPr lang="zh-TW" altLang="en-US" sz="2000" dirty="0">
+                    <a:latin typeface="+mj-ea"/>
+                    <a:ea typeface="+mj-ea"/>
+                  </a:rPr>
+                  <a:t>實現</a:t>
+                </a:r>
+              </a:p>
+            </p:txBody>
+          </p:sp>
         </p:grpSp>
         <p:pic>
           <p:nvPicPr>
@@ -4657,7 +4625,7 @@
             <p:nvPr/>
           </p:nvPicPr>
           <p:blipFill>
-            <a:blip r:embed="rId4"/>
+            <a:blip r:embed="rId3"/>
             <a:stretch>
               <a:fillRect/>
             </a:stretch>
@@ -4687,7 +4655,7 @@
             <p:nvPr/>
           </p:nvPicPr>
           <p:blipFill>
-            <a:blip r:embed="rId5"/>
+            <a:blip r:embed="rId4"/>
             <a:stretch>
               <a:fillRect/>
             </a:stretch>
@@ -4717,8 +4685,8 @@
         </p:nvGrpSpPr>
         <p:grpSpPr>
           <a:xfrm>
-            <a:off x="10600762" y="16299043"/>
-            <a:ext cx="9785010" cy="5396131"/>
+            <a:off x="8311710" y="9770701"/>
+            <a:ext cx="12601120" cy="4410812"/>
             <a:chOff x="10803200" y="16656148"/>
             <a:chExt cx="9785010" cy="5396131"/>
           </a:xfrm>
@@ -4854,7 +4822,7 @@
                 <a:p>
                   <a:pPr algn="ctr"/>
                   <a:r>
-                    <a:rPr lang="en-US" altLang="zh-TW" sz="4500">
+                    <a:rPr lang="en-US" altLang="zh-TW" sz="4500" dirty="0" err="1">
                       <a:solidFill>
                         <a:schemeClr val="bg1"/>
                       </a:solidFill>
@@ -4862,7 +4830,7 @@
                     <a:t>Aes</a:t>
                   </a:r>
                   <a:r>
-                    <a:rPr lang="zh-TW" altLang="en-US" sz="4500">
+                    <a:rPr lang="zh-TW" altLang="en-US" sz="4500" dirty="0">
                       <a:solidFill>
                         <a:schemeClr val="bg1"/>
                       </a:solidFill>
@@ -4901,203 +4869,203 @@
                 <a:lstStyle/>
                 <a:p>
                   <a:r>
-                    <a:rPr lang="zh-TW" altLang="en-US" sz="2000">
+                    <a:rPr lang="zh-TW" altLang="en-US" sz="2000" dirty="0">
                       <a:latin typeface="+mj-ea"/>
                       <a:ea typeface="+mj-ea"/>
                     </a:rPr>
                     <a:t>加密資料寬度為</a:t>
                   </a:r>
                   <a:r>
-                    <a:rPr lang="en-US" altLang="zh-TW" sz="2000">
+                    <a:rPr lang="en-US" altLang="zh-TW" sz="2000" dirty="0">
                       <a:latin typeface="+mj-ea"/>
                       <a:ea typeface="+mj-ea"/>
                     </a:rPr>
                     <a:t>128</a:t>
                   </a:r>
                   <a:r>
-                    <a:rPr lang="zh-TW" altLang="en-US" sz="2000">
+                    <a:rPr lang="zh-TW" altLang="en-US" sz="2000" dirty="0">
                       <a:latin typeface="+mj-ea"/>
                       <a:ea typeface="+mj-ea"/>
                     </a:rPr>
                     <a:t>，每筆</a:t>
                   </a:r>
                   <a:r>
-                    <a:rPr lang="en-US" altLang="zh-TW" sz="2000">
+                    <a:rPr lang="en-US" altLang="zh-TW" sz="2000" dirty="0">
                       <a:latin typeface="+mj-ea"/>
                       <a:ea typeface="+mj-ea"/>
                     </a:rPr>
                     <a:t>RAM</a:t>
                   </a:r>
                   <a:r>
-                    <a:rPr lang="zh-TW" altLang="en-US" sz="2000">
+                    <a:rPr lang="zh-TW" altLang="en-US" sz="2000" dirty="0">
                       <a:latin typeface="+mj-ea"/>
                       <a:ea typeface="+mj-ea"/>
                     </a:rPr>
                     <a:t>資料為</a:t>
                   </a:r>
                   <a:r>
-                    <a:rPr lang="en-US" altLang="zh-TW" sz="2000">
+                    <a:rPr lang="en-US" altLang="zh-TW" sz="2000" dirty="0">
                       <a:latin typeface="+mj-ea"/>
                       <a:ea typeface="+mj-ea"/>
                     </a:rPr>
                     <a:t>4</a:t>
                   </a:r>
                   <a:r>
-                    <a:rPr lang="zh-TW" altLang="en-US" sz="2000">
+                    <a:rPr lang="zh-TW" altLang="en-US" sz="2000" dirty="0">
                       <a:latin typeface="+mj-ea"/>
                       <a:ea typeface="+mj-ea"/>
                     </a:rPr>
                     <a:t>組</a:t>
                   </a:r>
                   <a:r>
-                    <a:rPr lang="en-US" altLang="zh-TW" sz="2000">
+                    <a:rPr lang="en-US" altLang="zh-TW" sz="2000" dirty="0">
                       <a:latin typeface="+mj-ea"/>
                       <a:ea typeface="+mj-ea"/>
                     </a:rPr>
                     <a:t>bytes</a:t>
                   </a:r>
                   <a:r>
-                    <a:rPr lang="zh-TW" altLang="en-US" sz="2000">
+                    <a:rPr lang="zh-TW" altLang="en-US" sz="2000" dirty="0">
                       <a:latin typeface="+mj-ea"/>
                       <a:ea typeface="+mj-ea"/>
                     </a:rPr>
                     <a:t>，但每組</a:t>
                   </a:r>
                   <a:r>
-                    <a:rPr lang="en-US" altLang="zh-TW" sz="2000">
+                    <a:rPr lang="en-US" altLang="zh-TW" sz="2000" dirty="0">
                       <a:latin typeface="+mj-ea"/>
                       <a:ea typeface="+mj-ea"/>
                     </a:rPr>
                     <a:t>byte</a:t>
                   </a:r>
                   <a:r>
-                    <a:rPr lang="zh-TW" altLang="en-US" sz="2000">
+                    <a:rPr lang="zh-TW" altLang="en-US" sz="2000" dirty="0">
                       <a:latin typeface="+mj-ea"/>
                       <a:ea typeface="+mj-ea"/>
                     </a:rPr>
                     <a:t>的第</a:t>
                   </a:r>
                   <a:r>
-                    <a:rPr lang="en-US" altLang="zh-TW" sz="2000">
+                    <a:rPr lang="en-US" altLang="zh-TW" sz="2000" dirty="0">
                       <a:latin typeface="+mj-ea"/>
                       <a:ea typeface="+mj-ea"/>
                     </a:rPr>
                     <a:t>1</a:t>
                   </a:r>
                   <a:r>
-                    <a:rPr lang="zh-TW" altLang="en-US" sz="2000">
+                    <a:rPr lang="zh-TW" altLang="en-US" sz="2000" dirty="0">
                       <a:latin typeface="+mj-ea"/>
                       <a:ea typeface="+mj-ea"/>
                     </a:rPr>
                     <a:t>個</a:t>
                   </a:r>
                   <a:r>
-                    <a:rPr lang="en-US" altLang="zh-TW" sz="2000">
+                    <a:rPr lang="en-US" altLang="zh-TW" sz="2000" dirty="0">
                       <a:latin typeface="+mj-ea"/>
                       <a:ea typeface="+mj-ea"/>
                     </a:rPr>
                     <a:t>bit</a:t>
                   </a:r>
                   <a:r>
-                    <a:rPr lang="zh-TW" altLang="en-US" sz="2000">
+                    <a:rPr lang="zh-TW" altLang="en-US" sz="2000" dirty="0">
                       <a:latin typeface="+mj-ea"/>
                       <a:ea typeface="+mj-ea"/>
                     </a:rPr>
                     <a:t>不使用，因此每筆</a:t>
                   </a:r>
                   <a:r>
-                    <a:rPr lang="en-US" altLang="zh-TW" sz="2000">
+                    <a:rPr lang="en-US" altLang="zh-TW" sz="2000" dirty="0">
                       <a:latin typeface="+mj-ea"/>
                       <a:ea typeface="+mj-ea"/>
                     </a:rPr>
                     <a:t>RAM</a:t>
                   </a:r>
                   <a:r>
-                    <a:rPr lang="zh-TW" altLang="en-US" sz="2000">
+                    <a:rPr lang="zh-TW" altLang="en-US" sz="2000" dirty="0">
                       <a:latin typeface="+mj-ea"/>
                       <a:ea typeface="+mj-ea"/>
                     </a:rPr>
                     <a:t>的可用資料為</a:t>
                   </a:r>
                   <a:r>
-                    <a:rPr lang="en-US" altLang="zh-TW" sz="2000">
+                    <a:rPr lang="en-US" altLang="zh-TW" sz="2000" dirty="0">
                       <a:latin typeface="+mj-ea"/>
                       <a:ea typeface="+mj-ea"/>
                     </a:rPr>
                     <a:t>28bits</a:t>
                   </a:r>
                   <a:r>
-                    <a:rPr lang="zh-TW" altLang="en-US" sz="2000">
+                    <a:rPr lang="zh-TW" altLang="en-US" sz="2000" dirty="0">
                       <a:latin typeface="+mj-ea"/>
                       <a:ea typeface="+mj-ea"/>
                     </a:rPr>
                     <a:t>，因此每筆</a:t>
                   </a:r>
                   <a:r>
-                    <a:rPr lang="en-US" altLang="zh-TW" sz="2000">
+                    <a:rPr lang="en-US" altLang="zh-TW" sz="2000" dirty="0">
                       <a:latin typeface="+mj-ea"/>
                       <a:ea typeface="+mj-ea"/>
                     </a:rPr>
                     <a:t>AES</a:t>
                   </a:r>
                   <a:r>
-                    <a:rPr lang="zh-TW" altLang="en-US" sz="2000">
+                    <a:rPr lang="zh-TW" altLang="en-US" sz="2000" dirty="0">
                       <a:latin typeface="+mj-ea"/>
                       <a:ea typeface="+mj-ea"/>
                     </a:rPr>
                     <a:t>資料須使用</a:t>
                   </a:r>
                   <a:r>
-                    <a:rPr lang="en-US" altLang="zh-TW" sz="2000">
+                    <a:rPr lang="en-US" altLang="zh-TW" sz="2000" dirty="0">
                       <a:latin typeface="+mj-ea"/>
                       <a:ea typeface="+mj-ea"/>
                     </a:rPr>
                     <a:t>5</a:t>
                   </a:r>
                   <a:r>
-                    <a:rPr lang="zh-TW" altLang="en-US" sz="2000">
+                    <a:rPr lang="zh-TW" altLang="en-US" sz="2000" dirty="0">
                       <a:latin typeface="+mj-ea"/>
                       <a:ea typeface="+mj-ea"/>
                     </a:rPr>
                     <a:t>筆</a:t>
                   </a:r>
                   <a:r>
-                    <a:rPr lang="en-US" altLang="zh-TW" sz="2000">
+                    <a:rPr lang="en-US" altLang="zh-TW" sz="2000" dirty="0">
                       <a:latin typeface="+mj-ea"/>
                       <a:ea typeface="+mj-ea"/>
                     </a:rPr>
                     <a:t>RAM</a:t>
                   </a:r>
                   <a:r>
-                    <a:rPr lang="zh-TW" altLang="en-US" sz="2000">
+                    <a:rPr lang="zh-TW" altLang="en-US" sz="2000" dirty="0">
                       <a:latin typeface="+mj-ea"/>
                       <a:ea typeface="+mj-ea"/>
                     </a:rPr>
                     <a:t>，第</a:t>
                   </a:r>
                   <a:r>
-                    <a:rPr lang="en-US" altLang="zh-TW" sz="2000">
+                    <a:rPr lang="en-US" altLang="zh-TW" sz="2000" dirty="0">
                       <a:latin typeface="+mj-ea"/>
                       <a:ea typeface="+mj-ea"/>
                     </a:rPr>
                     <a:t>5</a:t>
                   </a:r>
                   <a:r>
-                    <a:rPr lang="zh-TW" altLang="en-US" sz="2000">
+                    <a:rPr lang="zh-TW" altLang="en-US" sz="2000" dirty="0">
                       <a:latin typeface="+mj-ea"/>
                       <a:ea typeface="+mj-ea"/>
                     </a:rPr>
                     <a:t>筆僅使用</a:t>
                   </a:r>
                   <a:r>
-                    <a:rPr lang="en-US" altLang="zh-TW" sz="2000">
+                    <a:rPr lang="en-US" altLang="zh-TW" sz="2000" dirty="0">
                       <a:latin typeface="+mj-ea"/>
                       <a:ea typeface="+mj-ea"/>
                     </a:rPr>
                     <a:t>16bits</a:t>
                   </a:r>
                   <a:r>
-                    <a:rPr lang="zh-TW" altLang="en-US" sz="2000">
+                    <a:rPr lang="zh-TW" altLang="en-US" sz="2000" dirty="0">
                       <a:latin typeface="+mj-ea"/>
                       <a:ea typeface="+mj-ea"/>
                     </a:rPr>
@@ -5127,15 +5095,15 @@
             <p:nvPr/>
           </p:nvPicPr>
           <p:blipFill>
-            <a:blip r:embed="rId6"/>
+            <a:blip r:embed="rId5"/>
             <a:stretch>
               <a:fillRect/>
             </a:stretch>
           </p:blipFill>
           <p:spPr>
             <a:xfrm>
-              <a:off x="11028707" y="18852028"/>
-              <a:ext cx="9408154" cy="1095522"/>
+              <a:off x="10839190" y="18617373"/>
+              <a:ext cx="9704732" cy="1815647"/>
             </a:xfrm>
             <a:prstGeom prst="rect">
               <a:avLst/>
@@ -5157,19 +5125,24 @@
             <p:nvPr/>
           </p:nvPicPr>
           <p:blipFill>
-            <a:blip r:embed="rId7"/>
+            <a:blip r:embed="rId6"/>
             <a:stretch>
               <a:fillRect/>
             </a:stretch>
           </p:blipFill>
           <p:spPr>
             <a:xfrm>
-              <a:off x="12533402" y="20174564"/>
-              <a:ext cx="6524199" cy="1650701"/>
+              <a:off x="13666324" y="20470428"/>
+              <a:ext cx="4050463" cy="1489955"/>
             </a:xfrm>
             <a:prstGeom prst="rect">
               <a:avLst/>
             </a:prstGeom>
+            <a:ln w="19050">
+              <a:solidFill>
+                <a:srgbClr val="00B050"/>
+              </a:solidFill>
+            </a:ln>
           </p:spPr>
         </p:pic>
       </p:grpSp>
@@ -5188,7 +5161,7 @@
         <p:grpSpPr>
           <a:xfrm>
             <a:off x="8615370" y="3966067"/>
-            <a:ext cx="12297460" cy="5652878"/>
+            <a:ext cx="12297460" cy="5566239"/>
             <a:chOff x="8602266" y="4397756"/>
             <a:chExt cx="12297460" cy="5652878"/>
           </a:xfrm>
@@ -5228,7 +5201,7 @@
               <p:nvPr/>
             </p:nvPicPr>
             <p:blipFill>
-              <a:blip r:embed="rId8"/>
+              <a:blip r:embed="rId7"/>
               <a:stretch>
                 <a:fillRect/>
               </a:stretch>
@@ -5579,7 +5552,7 @@
             <p:nvPr/>
           </p:nvPicPr>
           <p:blipFill>
-            <a:blip r:embed="rId9"/>
+            <a:blip r:embed="rId8"/>
             <a:stretch>
               <a:fillRect/>
             </a:stretch>
@@ -5653,10 +5626,10 @@
         </p:nvGrpSpPr>
         <p:grpSpPr>
           <a:xfrm>
-            <a:off x="302592" y="9253842"/>
-            <a:ext cx="8031400" cy="6016990"/>
+            <a:off x="328512" y="8661708"/>
+            <a:ext cx="7777952" cy="5796976"/>
             <a:chOff x="4062289" y="2056619"/>
-            <a:chExt cx="1537735" cy="1860848"/>
+            <a:chExt cx="1537735" cy="1956439"/>
           </a:xfrm>
         </p:grpSpPr>
         <p:sp>
@@ -5726,9 +5699,9 @@
           <p:grpSpPr>
             <a:xfrm>
               <a:off x="4213263" y="2056619"/>
-              <a:ext cx="1311464" cy="1821779"/>
+              <a:ext cx="1276365" cy="1956439"/>
               <a:chOff x="4213263" y="2056619"/>
-              <a:chExt cx="1311464" cy="1821779"/>
+              <a:chExt cx="1276365" cy="1956439"/>
             </a:xfrm>
           </p:grpSpPr>
           <p:sp>
@@ -5795,7 +5768,7 @@
             <p:spPr>
               <a:xfrm>
                 <a:off x="4213263" y="2403035"/>
-                <a:ext cx="1311464" cy="1475363"/>
+                <a:ext cx="1276365" cy="1610023"/>
               </a:xfrm>
               <a:prstGeom prst="rect">
                 <a:avLst/>
@@ -5813,384 +5786,384 @@
                   <a:buChar char="•"/>
                 </a:pPr>
                 <a:r>
-                  <a:rPr lang="en-US" altLang="zh-TW" sz="2000" b="1">
+                  <a:rPr lang="en-US" altLang="zh-TW" sz="2000" b="1" dirty="0">
                     <a:latin typeface="+mj-ea"/>
                     <a:ea typeface="+mj-ea"/>
                   </a:rPr>
                   <a:t>RX</a:t>
                 </a:r>
                 <a:r>
-                  <a:rPr lang="zh-TW" altLang="en-US" sz="2000" b="1">
+                  <a:rPr lang="zh-TW" altLang="en-US" sz="2000" b="1" dirty="0">
                     <a:latin typeface="+mj-ea"/>
                     <a:ea typeface="+mj-ea"/>
                   </a:rPr>
                   <a:t>接收格式</a:t>
                 </a:r>
-                <a:endParaRPr lang="en-US" altLang="zh-TW" sz="2000" b="1">
+                <a:endParaRPr lang="en-US" altLang="zh-TW" sz="2000" b="1" dirty="0">
                   <a:latin typeface="+mj-ea"/>
                   <a:ea typeface="+mj-ea"/>
                 </a:endParaRPr>
               </a:p>
               <a:p>
                 <a:r>
-                  <a:rPr lang="zh-TW" altLang="en-US" sz="2000" u="sng">
+                  <a:rPr lang="zh-TW" altLang="en-US" sz="2000" u="sng" dirty="0">
                     <a:latin typeface="+mj-ea"/>
                     <a:ea typeface="+mj-ea"/>
                   </a:rPr>
                   <a:t>一次接收</a:t>
                 </a:r>
                 <a:r>
-                  <a:rPr lang="en-US" altLang="zh-TW" sz="2000" u="sng">
+                  <a:rPr lang="en-US" altLang="zh-TW" sz="2000" u="sng" dirty="0">
                     <a:latin typeface="+mj-ea"/>
                     <a:ea typeface="+mj-ea"/>
                   </a:rPr>
                   <a:t>8</a:t>
                 </a:r>
                 <a:r>
-                  <a:rPr lang="zh-TW" altLang="en-US" sz="2000" u="sng">
+                  <a:rPr lang="zh-TW" altLang="en-US" sz="2000" u="sng" dirty="0">
                     <a:latin typeface="+mj-ea"/>
                     <a:ea typeface="+mj-ea"/>
                   </a:rPr>
                   <a:t>組</a:t>
                 </a:r>
                 <a:r>
-                  <a:rPr lang="en-US" altLang="zh-TW" sz="2000" u="sng">
+                  <a:rPr lang="en-US" altLang="zh-TW" sz="2000" u="sng" dirty="0">
                     <a:latin typeface="+mj-ea"/>
                     <a:ea typeface="+mj-ea"/>
                   </a:rPr>
                   <a:t>bytes</a:t>
                 </a:r>
                 <a:r>
-                  <a:rPr lang="zh-TW" altLang="en-US" sz="2000" u="sng">
+                  <a:rPr lang="zh-TW" altLang="en-US" sz="2000" u="sng" dirty="0">
                     <a:latin typeface="+mj-ea"/>
                     <a:ea typeface="+mj-ea"/>
                   </a:rPr>
                   <a:t>，以下為每組</a:t>
                 </a:r>
                 <a:r>
-                  <a:rPr lang="en-US" altLang="zh-TW" sz="2000" u="sng">
+                  <a:rPr lang="en-US" altLang="zh-TW" sz="2000" u="sng" dirty="0">
                     <a:latin typeface="+mj-ea"/>
                     <a:ea typeface="+mj-ea"/>
                   </a:rPr>
                   <a:t>bits</a:t>
                 </a:r>
                 <a:r>
-                  <a:rPr lang="zh-TW" altLang="en-US" sz="2000" u="sng">
+                  <a:rPr lang="zh-TW" altLang="en-US" sz="2000" u="sng" dirty="0">
                     <a:latin typeface="+mj-ea"/>
                     <a:ea typeface="+mj-ea"/>
                   </a:rPr>
                   <a:t>的功能</a:t>
                 </a:r>
-                <a:endParaRPr lang="en-US" altLang="zh-TW" sz="2000" u="sng">
+                <a:endParaRPr lang="en-US" altLang="zh-TW" sz="2000" u="sng" dirty="0">
                   <a:latin typeface="+mj-ea"/>
                   <a:ea typeface="+mj-ea"/>
                 </a:endParaRPr>
               </a:p>
               <a:p>
                 <a:r>
-                  <a:rPr lang="zh-TW" altLang="en-US" sz="2000">
+                  <a:rPr lang="zh-TW" altLang="en-US" sz="2000" dirty="0">
                     <a:latin typeface="+mj-ea"/>
                     <a:ea typeface="+mj-ea"/>
                   </a:rPr>
                   <a:t>第</a:t>
                 </a:r>
                 <a:r>
-                  <a:rPr lang="en-US" altLang="zh-TW" sz="2000">
+                  <a:rPr lang="en-US" altLang="zh-TW" sz="2000" dirty="0">
                     <a:latin typeface="+mj-ea"/>
                     <a:ea typeface="+mj-ea"/>
                   </a:rPr>
                   <a:t>1</a:t>
                 </a:r>
                 <a:r>
-                  <a:rPr lang="zh-TW" altLang="en-US" sz="2000">
+                  <a:rPr lang="zh-TW" altLang="en-US" sz="2000" dirty="0">
                     <a:latin typeface="+mj-ea"/>
                     <a:ea typeface="+mj-ea"/>
                   </a:rPr>
                   <a:t>組：輸入</a:t>
                 </a:r>
                 <a:r>
-                  <a:rPr lang="en-US" altLang="zh-TW" sz="2000">
+                  <a:rPr lang="en-US" altLang="zh-TW" sz="2000" dirty="0">
                     <a:latin typeface="+mj-ea"/>
                     <a:ea typeface="+mj-ea"/>
                   </a:rPr>
                   <a:t>02</a:t>
                 </a:r>
                 <a:r>
-                  <a:rPr lang="zh-TW" altLang="en-US" sz="2000">
+                  <a:rPr lang="zh-TW" altLang="en-US" sz="2000" dirty="0">
                     <a:latin typeface="+mj-ea"/>
                     <a:ea typeface="+mj-ea"/>
                   </a:rPr>
                   <a:t>以表示開始接收資料。</a:t>
                 </a:r>
-                <a:endParaRPr lang="en-US" altLang="zh-TW" sz="2000">
+                <a:endParaRPr lang="en-US" altLang="zh-TW" sz="2000" dirty="0">
                   <a:latin typeface="+mj-ea"/>
                   <a:ea typeface="+mj-ea"/>
                 </a:endParaRPr>
               </a:p>
               <a:p>
                 <a:r>
-                  <a:rPr lang="zh-TW" altLang="en-US" sz="2000">
+                  <a:rPr lang="zh-TW" altLang="en-US" sz="2000" dirty="0">
                     <a:latin typeface="+mj-ea"/>
                     <a:ea typeface="+mj-ea"/>
                   </a:rPr>
                   <a:t>第</a:t>
                 </a:r>
                 <a:r>
-                  <a:rPr lang="en-US" altLang="zh-TW" sz="2000">
+                  <a:rPr lang="en-US" altLang="zh-TW" sz="2000" dirty="0">
                     <a:latin typeface="+mj-ea"/>
                     <a:ea typeface="+mj-ea"/>
                   </a:rPr>
                   <a:t>2</a:t>
                 </a:r>
                 <a:r>
-                  <a:rPr lang="zh-TW" altLang="en-US" sz="2000">
+                  <a:rPr lang="zh-TW" altLang="en-US" sz="2000" dirty="0">
                     <a:latin typeface="+mj-ea"/>
                     <a:ea typeface="+mj-ea"/>
                   </a:rPr>
                   <a:t>組：</a:t>
                 </a:r>
                 <a:r>
-                  <a:rPr lang="en-US" altLang="zh-TW" sz="2000">
+                  <a:rPr lang="en-US" altLang="zh-TW" sz="2000" dirty="0">
                     <a:latin typeface="+mj-ea"/>
                     <a:ea typeface="+mj-ea"/>
                   </a:rPr>
                   <a:t>1~7</a:t>
                 </a:r>
                 <a:r>
-                  <a:rPr lang="zh-TW" altLang="en-US" sz="2000">
+                  <a:rPr lang="zh-TW" altLang="en-US" sz="2000" dirty="0">
                     <a:latin typeface="+mj-ea"/>
                     <a:ea typeface="+mj-ea"/>
                   </a:rPr>
                   <a:t>個</a:t>
                 </a:r>
                 <a:r>
-                  <a:rPr lang="en-US" altLang="zh-TW" sz="2000">
+                  <a:rPr lang="en-US" altLang="zh-TW" sz="2000" dirty="0">
                     <a:latin typeface="+mj-ea"/>
                     <a:ea typeface="+mj-ea"/>
                   </a:rPr>
                   <a:t>bits</a:t>
                 </a:r>
                 <a:r>
-                  <a:rPr lang="zh-TW" altLang="en-US" sz="2000">
+                  <a:rPr lang="zh-TW" altLang="en-US" sz="2000" dirty="0">
                     <a:latin typeface="+mj-ea"/>
                     <a:ea typeface="+mj-ea"/>
                   </a:rPr>
                   <a:t>控制資料</a:t>
                 </a:r>
                 <a:r>
-                  <a:rPr lang="en-US" altLang="zh-TW" sz="2000">
+                  <a:rPr lang="en-US" altLang="zh-TW" sz="2000" dirty="0">
                     <a:latin typeface="+mj-ea"/>
                     <a:ea typeface="+mj-ea"/>
                   </a:rPr>
                   <a:t>ram</a:t>
                 </a:r>
                 <a:r>
-                  <a:rPr lang="zh-TW" altLang="en-US" sz="2000">
+                  <a:rPr lang="zh-TW" altLang="en-US" sz="2000" dirty="0">
                     <a:latin typeface="+mj-ea"/>
                     <a:ea typeface="+mj-ea"/>
                   </a:rPr>
                   <a:t>位置，第</a:t>
                 </a:r>
                 <a:r>
-                  <a:rPr lang="en-US" altLang="zh-TW" sz="2000">
+                  <a:rPr lang="en-US" altLang="zh-TW" sz="2000" dirty="0">
                     <a:latin typeface="+mj-ea"/>
                     <a:ea typeface="+mj-ea"/>
                   </a:rPr>
                   <a:t>8</a:t>
                 </a:r>
                 <a:r>
-                  <a:rPr lang="zh-TW" altLang="en-US" sz="2000">
+                  <a:rPr lang="zh-TW" altLang="en-US" sz="2000" dirty="0">
                     <a:latin typeface="+mj-ea"/>
                     <a:ea typeface="+mj-ea"/>
                   </a:rPr>
                   <a:t>個</a:t>
                 </a:r>
                 <a:r>
-                  <a:rPr lang="en-US" altLang="zh-TW" sz="2000">
+                  <a:rPr lang="en-US" altLang="zh-TW" sz="2000" dirty="0">
                     <a:latin typeface="+mj-ea"/>
                     <a:ea typeface="+mj-ea"/>
                   </a:rPr>
                   <a:t>bit</a:t>
                 </a:r>
                 <a:r>
-                  <a:rPr lang="zh-TW" altLang="en-US" sz="2000">
+                  <a:rPr lang="zh-TW" altLang="en-US" sz="2000" dirty="0">
                     <a:latin typeface="+mj-ea"/>
                     <a:ea typeface="+mj-ea"/>
                   </a:rPr>
                   <a:t>為</a:t>
                 </a:r>
                 <a:r>
-                  <a:rPr lang="en-US" altLang="zh-TW" sz="2000">
+                  <a:rPr lang="en-US" altLang="zh-TW" sz="2000" dirty="0">
                     <a:latin typeface="+mj-ea"/>
                     <a:ea typeface="+mj-ea"/>
                   </a:rPr>
                   <a:t>1</a:t>
                 </a:r>
                 <a:r>
-                  <a:rPr lang="zh-TW" altLang="en-US" sz="2000">
+                  <a:rPr lang="zh-TW" altLang="en-US" sz="2000" dirty="0">
                     <a:latin typeface="+mj-ea"/>
                     <a:ea typeface="+mj-ea"/>
                   </a:rPr>
                   <a:t>則為寫入，</a:t>
                 </a:r>
                 <a:r>
-                  <a:rPr lang="en-US" altLang="zh-TW" sz="2000">
+                  <a:rPr lang="en-US" altLang="zh-TW" sz="2000" dirty="0">
                     <a:latin typeface="+mj-ea"/>
                     <a:ea typeface="+mj-ea"/>
                   </a:rPr>
                   <a:t>0</a:t>
                 </a:r>
                 <a:r>
-                  <a:rPr lang="zh-TW" altLang="en-US" sz="2000">
+                  <a:rPr lang="zh-TW" altLang="en-US" sz="2000" dirty="0">
                     <a:latin typeface="+mj-ea"/>
                     <a:ea typeface="+mj-ea"/>
                   </a:rPr>
                   <a:t>則為輸出。</a:t>
                 </a:r>
-                <a:endParaRPr lang="en-US" altLang="zh-TW" sz="2000">
+                <a:endParaRPr lang="en-US" altLang="zh-TW" sz="2000" dirty="0">
                   <a:latin typeface="+mj-ea"/>
                   <a:ea typeface="+mj-ea"/>
                 </a:endParaRPr>
               </a:p>
               <a:p>
                 <a:r>
-                  <a:rPr lang="zh-TW" altLang="en-US" sz="2000">
+                  <a:rPr lang="zh-TW" altLang="en-US" sz="2000" dirty="0">
                     <a:latin typeface="+mj-ea"/>
                     <a:ea typeface="+mj-ea"/>
                   </a:rPr>
                   <a:t>第</a:t>
                 </a:r>
                 <a:r>
-                  <a:rPr lang="en-US" altLang="zh-TW" sz="2000">
+                  <a:rPr lang="en-US" altLang="zh-TW" sz="2000" dirty="0">
                     <a:latin typeface="+mj-ea"/>
                     <a:ea typeface="+mj-ea"/>
                   </a:rPr>
                   <a:t>3~6</a:t>
                 </a:r>
                 <a:r>
-                  <a:rPr lang="zh-TW" altLang="en-US" sz="2000">
+                  <a:rPr lang="zh-TW" altLang="en-US" sz="2000" dirty="0">
                     <a:latin typeface="+mj-ea"/>
                     <a:ea typeface="+mj-ea"/>
                   </a:rPr>
                   <a:t>組：需要存放的資料。</a:t>
                 </a:r>
-                <a:endParaRPr lang="en-US" altLang="zh-TW" sz="2000">
+                <a:endParaRPr lang="en-US" altLang="zh-TW" sz="2000" dirty="0">
                   <a:latin typeface="+mj-ea"/>
                   <a:ea typeface="+mj-ea"/>
                 </a:endParaRPr>
               </a:p>
               <a:p>
                 <a:r>
-                  <a:rPr lang="zh-TW" altLang="en-US" sz="2000">
+                  <a:rPr lang="zh-TW" altLang="en-US" sz="2000" dirty="0">
                     <a:latin typeface="+mj-ea"/>
                     <a:ea typeface="+mj-ea"/>
                   </a:rPr>
                   <a:t>第</a:t>
                 </a:r>
                 <a:r>
-                  <a:rPr lang="en-US" altLang="zh-TW" sz="2000">
+                  <a:rPr lang="en-US" altLang="zh-TW" sz="2000" dirty="0">
                     <a:latin typeface="+mj-ea"/>
                     <a:ea typeface="+mj-ea"/>
                   </a:rPr>
                   <a:t>7</a:t>
                 </a:r>
                 <a:r>
-                  <a:rPr lang="zh-TW" altLang="en-US" sz="2000">
+                  <a:rPr lang="zh-TW" altLang="en-US" sz="2000" dirty="0">
                     <a:latin typeface="+mj-ea"/>
                     <a:ea typeface="+mj-ea"/>
                   </a:rPr>
                   <a:t>組：</a:t>
                 </a:r>
                 <a:r>
-                  <a:rPr lang="en-US" altLang="zh-TW" sz="2000">
+                  <a:rPr lang="en-US" altLang="zh-TW" sz="2000" dirty="0">
                     <a:latin typeface="+mj-ea"/>
                     <a:ea typeface="+mj-ea"/>
                   </a:rPr>
                   <a:t>check</a:t>
                 </a:r>
                 <a:r>
-                  <a:rPr lang="zh-TW" altLang="en-US" sz="2000">
+                  <a:rPr lang="zh-TW" altLang="en-US" sz="2000" dirty="0">
                     <a:latin typeface="+mj-ea"/>
                     <a:ea typeface="+mj-ea"/>
                   </a:rPr>
                   <a:t> </a:t>
                 </a:r>
                 <a:r>
-                  <a:rPr lang="en-US" altLang="zh-TW" sz="2000">
+                  <a:rPr lang="en-US" altLang="zh-TW" sz="2000" dirty="0">
                     <a:latin typeface="+mj-ea"/>
                     <a:ea typeface="+mj-ea"/>
                   </a:rPr>
                   <a:t>bit(</a:t>
                 </a:r>
                 <a:r>
-                  <a:rPr lang="zh-TW" altLang="en-US" sz="2000">
+                  <a:rPr lang="zh-TW" altLang="en-US" sz="2000" dirty="0">
                     <a:latin typeface="+mj-ea"/>
                     <a:ea typeface="+mj-ea"/>
                   </a:rPr>
                   <a:t>未使用</a:t>
                 </a:r>
                 <a:r>
-                  <a:rPr lang="en-US" altLang="zh-TW" sz="2000">
+                  <a:rPr lang="en-US" altLang="zh-TW" sz="2000" dirty="0">
                     <a:latin typeface="+mj-ea"/>
                     <a:ea typeface="+mj-ea"/>
                   </a:rPr>
                   <a:t>)</a:t>
                 </a:r>
                 <a:r>
-                  <a:rPr lang="zh-TW" altLang="en-US" sz="2000">
+                  <a:rPr lang="zh-TW" altLang="en-US" sz="2000" dirty="0">
                     <a:latin typeface="+mj-ea"/>
                     <a:ea typeface="+mj-ea"/>
                   </a:rPr>
                   <a:t>。</a:t>
                 </a:r>
-                <a:endParaRPr lang="en-US" altLang="zh-TW" sz="2000">
+                <a:endParaRPr lang="en-US" altLang="zh-TW" sz="2000" dirty="0">
                   <a:latin typeface="+mj-ea"/>
                   <a:ea typeface="+mj-ea"/>
                 </a:endParaRPr>
               </a:p>
               <a:p>
                 <a:r>
-                  <a:rPr lang="zh-TW" altLang="en-US" sz="2000">
+                  <a:rPr lang="zh-TW" altLang="en-US" sz="2000" dirty="0">
                     <a:latin typeface="+mj-ea"/>
                     <a:ea typeface="+mj-ea"/>
                   </a:rPr>
                   <a:t>第</a:t>
                 </a:r>
                 <a:r>
-                  <a:rPr lang="en-US" altLang="zh-TW" sz="2000">
+                  <a:rPr lang="en-US" altLang="zh-TW" sz="2000" dirty="0">
                     <a:latin typeface="+mj-ea"/>
                     <a:ea typeface="+mj-ea"/>
                   </a:rPr>
                   <a:t>8</a:t>
                 </a:r>
                 <a:r>
-                  <a:rPr lang="zh-TW" altLang="en-US" sz="2000">
+                  <a:rPr lang="zh-TW" altLang="en-US" sz="2000" dirty="0">
                     <a:latin typeface="+mj-ea"/>
                     <a:ea typeface="+mj-ea"/>
                   </a:rPr>
                   <a:t>組：輸入</a:t>
                 </a:r>
                 <a:r>
-                  <a:rPr lang="en-US" altLang="zh-TW" sz="2000">
+                  <a:rPr lang="en-US" altLang="zh-TW" sz="2000" dirty="0">
                     <a:latin typeface="+mj-ea"/>
                     <a:ea typeface="+mj-ea"/>
                   </a:rPr>
                   <a:t>03</a:t>
                 </a:r>
                 <a:r>
-                  <a:rPr lang="zh-TW" altLang="en-US" sz="2000">
+                  <a:rPr lang="zh-TW" altLang="en-US" sz="2000" dirty="0">
                     <a:latin typeface="+mj-ea"/>
                     <a:ea typeface="+mj-ea"/>
                   </a:rPr>
                   <a:t>已表示資料接收完畢。</a:t>
                 </a:r>
-                <a:endParaRPr lang="en-US" altLang="zh-TW" sz="2000">
+                <a:endParaRPr lang="en-US" altLang="zh-TW" sz="2000" dirty="0">
                   <a:latin typeface="+mj-ea"/>
                   <a:ea typeface="+mj-ea"/>
                 </a:endParaRPr>
               </a:p>
               <a:p>
-                <a:endParaRPr lang="en-US" altLang="zh-TW" sz="2000">
+                <a:endParaRPr lang="en-US" altLang="zh-TW" sz="2000" dirty="0">
                   <a:latin typeface="+mj-ea"/>
                   <a:ea typeface="+mj-ea"/>
                 </a:endParaRPr>
@@ -6201,48 +6174,48 @@
                   <a:buChar char="•"/>
                 </a:pPr>
                 <a:r>
-                  <a:rPr lang="en-US" altLang="zh-TW" sz="2000" b="1">
+                  <a:rPr lang="en-US" altLang="zh-TW" sz="2000" b="1" dirty="0">
                     <a:latin typeface="+mj-ea"/>
                     <a:ea typeface="+mj-ea"/>
                   </a:rPr>
                   <a:t>TX</a:t>
                 </a:r>
                 <a:r>
-                  <a:rPr lang="zh-TW" altLang="en-US" sz="2000" b="1">
+                  <a:rPr lang="zh-TW" altLang="en-US" sz="2000" b="1" dirty="0">
                     <a:latin typeface="+mj-ea"/>
                     <a:ea typeface="+mj-ea"/>
                   </a:rPr>
                   <a:t>傳送格式</a:t>
                 </a:r>
-                <a:endParaRPr lang="en-US" altLang="zh-TW" sz="2000" b="1">
+                <a:endParaRPr lang="en-US" altLang="zh-TW" sz="2000" b="1" dirty="0">
                   <a:latin typeface="+mj-ea"/>
                   <a:ea typeface="+mj-ea"/>
                 </a:endParaRPr>
               </a:p>
               <a:p>
                 <a:r>
-                  <a:rPr lang="zh-TW" altLang="en-US" sz="2000" u="sng">
+                  <a:rPr lang="zh-TW" altLang="en-US" sz="2000" u="sng" dirty="0">
                     <a:latin typeface="+mj-ea"/>
                     <a:ea typeface="+mj-ea"/>
                   </a:rPr>
                   <a:t>一次傳送</a:t>
                 </a:r>
                 <a:r>
-                  <a:rPr lang="en-US" altLang="zh-TW" sz="2000" u="sng">
+                  <a:rPr lang="en-US" altLang="zh-TW" sz="2000" u="sng" dirty="0">
                     <a:latin typeface="+mj-ea"/>
                     <a:ea typeface="+mj-ea"/>
                   </a:rPr>
                   <a:t>4</a:t>
                 </a:r>
                 <a:r>
-                  <a:rPr lang="zh-TW" altLang="en-US" sz="2000" u="sng">
+                  <a:rPr lang="zh-TW" altLang="en-US" sz="2000" u="sng" dirty="0">
                     <a:latin typeface="+mj-ea"/>
                     <a:ea typeface="+mj-ea"/>
                   </a:rPr>
                   <a:t>組</a:t>
                 </a:r>
                 <a:r>
-                  <a:rPr lang="en-US" altLang="zh-TW" sz="2000" u="sng">
+                  <a:rPr lang="en-US" altLang="zh-TW" sz="2000" u="sng" dirty="0">
                     <a:latin typeface="+mj-ea"/>
                     <a:ea typeface="+mj-ea"/>
                   </a:rPr>
@@ -6251,131 +6224,131 @@
               </a:p>
               <a:p>
                 <a:r>
-                  <a:rPr lang="zh-TW" altLang="en-US" sz="2000">
+                  <a:rPr lang="zh-TW" altLang="en-US" sz="2000" dirty="0">
                     <a:latin typeface="+mj-ea"/>
                     <a:ea typeface="+mj-ea"/>
                   </a:rPr>
                   <a:t>上述</a:t>
                 </a:r>
                 <a:r>
-                  <a:rPr lang="en-US" altLang="zh-TW" sz="2000">
+                  <a:rPr lang="en-US" altLang="zh-TW" sz="2000" dirty="0">
                     <a:latin typeface="+mj-ea"/>
                     <a:ea typeface="+mj-ea"/>
                   </a:rPr>
                   <a:t>RX</a:t>
                 </a:r>
                 <a:r>
-                  <a:rPr lang="zh-TW" altLang="en-US" sz="2000">
+                  <a:rPr lang="zh-TW" altLang="en-US" sz="2000" dirty="0">
                     <a:latin typeface="+mj-ea"/>
                     <a:ea typeface="+mj-ea"/>
                   </a:rPr>
                   <a:t>存取的第</a:t>
                 </a:r>
                 <a:r>
-                  <a:rPr lang="en-US" altLang="zh-TW" sz="2000">
+                  <a:rPr lang="en-US" altLang="zh-TW" sz="2000" dirty="0">
                     <a:latin typeface="+mj-ea"/>
                     <a:ea typeface="+mj-ea"/>
                   </a:rPr>
                   <a:t>3~6</a:t>
                 </a:r>
                 <a:r>
-                  <a:rPr lang="zh-TW" altLang="en-US" sz="2000">
+                  <a:rPr lang="zh-TW" altLang="en-US" sz="2000" dirty="0">
                     <a:latin typeface="+mj-ea"/>
                     <a:ea typeface="+mj-ea"/>
                   </a:rPr>
                   <a:t>組</a:t>
                 </a:r>
                 <a:r>
-                  <a:rPr lang="en-US" altLang="zh-TW" sz="2000">
+                  <a:rPr lang="en-US" altLang="zh-TW" sz="2000" dirty="0">
                     <a:latin typeface="+mj-ea"/>
                     <a:ea typeface="+mj-ea"/>
                   </a:rPr>
                   <a:t>bytes(4bytes)</a:t>
                 </a:r>
                 <a:r>
-                  <a:rPr lang="zh-TW" altLang="en-US" sz="2000">
+                  <a:rPr lang="zh-TW" altLang="en-US" sz="2000" dirty="0">
                     <a:latin typeface="+mj-ea"/>
                     <a:ea typeface="+mj-ea"/>
                   </a:rPr>
                   <a:t>會存入</a:t>
                 </a:r>
                 <a:r>
-                  <a:rPr lang="en-US" altLang="zh-TW" sz="2000">
+                  <a:rPr lang="en-US" altLang="zh-TW" sz="2000" dirty="0">
                     <a:latin typeface="+mj-ea"/>
                     <a:ea typeface="+mj-ea"/>
                   </a:rPr>
                   <a:t>32bits</a:t>
                 </a:r>
                 <a:r>
-                  <a:rPr lang="zh-TW" altLang="en-US" sz="2000">
+                  <a:rPr lang="zh-TW" altLang="en-US" sz="2000" dirty="0">
                     <a:latin typeface="+mj-ea"/>
                     <a:ea typeface="+mj-ea"/>
                   </a:rPr>
                   <a:t>的</a:t>
                 </a:r>
                 <a:r>
-                  <a:rPr lang="en-US" altLang="zh-TW" sz="2000">
+                  <a:rPr lang="en-US" altLang="zh-TW" sz="2000" dirty="0">
                     <a:latin typeface="+mj-ea"/>
                     <a:ea typeface="+mj-ea"/>
                   </a:rPr>
                   <a:t>ram</a:t>
                 </a:r>
                 <a:r>
-                  <a:rPr lang="zh-TW" altLang="en-US" sz="2000">
+                  <a:rPr lang="zh-TW" altLang="en-US" sz="2000" dirty="0">
                     <a:latin typeface="+mj-ea"/>
                     <a:ea typeface="+mj-ea"/>
                   </a:rPr>
                   <a:t>，判斷</a:t>
                 </a:r>
                 <a:r>
-                  <a:rPr lang="en-US" altLang="zh-TW" sz="2000">
+                  <a:rPr lang="en-US" altLang="zh-TW" sz="2000" dirty="0">
                     <a:latin typeface="+mj-ea"/>
                     <a:ea typeface="+mj-ea"/>
                   </a:rPr>
                   <a:t>address</a:t>
                 </a:r>
                 <a:r>
-                  <a:rPr lang="zh-TW" altLang="en-US" sz="2000">
+                  <a:rPr lang="zh-TW" altLang="en-US" sz="2000" dirty="0">
                     <a:latin typeface="+mj-ea"/>
                     <a:ea typeface="+mj-ea"/>
                   </a:rPr>
                   <a:t>後將對應</a:t>
                 </a:r>
                 <a:r>
-                  <a:rPr lang="en-US" altLang="zh-TW" sz="2000">
+                  <a:rPr lang="en-US" altLang="zh-TW" sz="2000" dirty="0">
                     <a:latin typeface="+mj-ea"/>
                     <a:ea typeface="+mj-ea"/>
                   </a:rPr>
                   <a:t>ram</a:t>
                 </a:r>
                 <a:r>
-                  <a:rPr lang="zh-TW" altLang="en-US" sz="2000">
+                  <a:rPr lang="zh-TW" altLang="en-US" sz="2000" dirty="0">
                     <a:latin typeface="+mj-ea"/>
                     <a:ea typeface="+mj-ea"/>
                   </a:rPr>
                   <a:t>位置的</a:t>
                 </a:r>
                 <a:r>
-                  <a:rPr lang="en-US" altLang="zh-TW" sz="2000">
+                  <a:rPr lang="en-US" altLang="zh-TW" sz="2000" dirty="0">
                     <a:latin typeface="+mj-ea"/>
                     <a:ea typeface="+mj-ea"/>
                   </a:rPr>
                   <a:t>32bits</a:t>
                 </a:r>
                 <a:r>
-                  <a:rPr lang="zh-TW" altLang="en-US" sz="2000">
+                  <a:rPr lang="zh-TW" altLang="en-US" sz="2000" dirty="0">
                     <a:latin typeface="+mj-ea"/>
                     <a:ea typeface="+mj-ea"/>
                   </a:rPr>
                   <a:t>全部讀出。</a:t>
                 </a:r>
-                <a:endParaRPr lang="en-US" altLang="zh-TW" sz="2000">
+                <a:endParaRPr lang="en-US" altLang="zh-TW" sz="2000" dirty="0">
                   <a:latin typeface="+mj-ea"/>
                   <a:ea typeface="+mj-ea"/>
                 </a:endParaRPr>
               </a:p>
               <a:p>
-                <a:endParaRPr lang="en-US" altLang="zh-TW" sz="2400"/>
+                <a:endParaRPr lang="en-US" altLang="zh-TW" sz="2400" dirty="0"/>
               </a:p>
               <a:p>
                 <a:pPr marL="457200" indent="-457200">
@@ -6388,57 +6361,6 @@
           </p:sp>
         </p:grpSp>
       </p:grpSp>
-      <p:sp>
-        <p:nvSpPr>
-          <p:cNvPr id="22" name="文字方塊 21">
-            <a:extLst>
-              <a:ext uri="{FF2B5EF4-FFF2-40B4-BE49-F238E27FC236}">
-                <a16:creationId xmlns:a16="http://schemas.microsoft.com/office/drawing/2014/main" id="{78C6D31D-5CB1-45D2-9D24-C8F31CD485FC}"/>
-              </a:ext>
-            </a:extLst>
-          </p:cNvPr>
-          <p:cNvSpPr txBox="1"/>
-          <p:nvPr/>
-        </p:nvSpPr>
-        <p:spPr>
-          <a:xfrm>
-            <a:off x="10795770" y="22968599"/>
-            <a:ext cx="7403266" cy="707886"/>
-          </a:xfrm>
-          <a:prstGeom prst="rect">
-            <a:avLst/>
-          </a:prstGeom>
-          <a:noFill/>
-        </p:spPr>
-        <p:txBody>
-          <a:bodyPr wrap="square" rtlCol="0">
-            <a:spAutoFit/>
-          </a:bodyPr>
-          <a:lstStyle/>
-          <a:p>
-            <a:r>
-              <a:rPr lang="zh-TW" altLang="en-US" sz="2000"/>
-              <a:t>實作令使用者輸入</a:t>
-            </a:r>
-            <a:r>
-              <a:rPr lang="en-US" altLang="zh-TW" sz="2000"/>
-              <a:t>key</a:t>
-            </a:r>
-            <a:r>
-              <a:rPr lang="zh-TW" altLang="en-US" sz="2000"/>
-              <a:t>後，若與程式內建</a:t>
-            </a:r>
-            <a:r>
-              <a:rPr lang="en-US" altLang="zh-TW" sz="2000"/>
-              <a:t>key</a:t>
-            </a:r>
-            <a:r>
-              <a:rPr lang="zh-TW" altLang="en-US" sz="2000"/>
-              <a:t>比對符合的話可加解密輸入資料</a:t>
-            </a:r>
-          </a:p>
-        </p:txBody>
-      </p:sp>
       <p:grpSp>
         <p:nvGrpSpPr>
           <p:cNvPr id="24" name="群組 23">
@@ -6453,8 +6375,8 @@
         </p:nvGrpSpPr>
         <p:grpSpPr>
           <a:xfrm>
-            <a:off x="9352022" y="9917996"/>
-            <a:ext cx="10510634" cy="5999619"/>
+            <a:off x="328511" y="14615711"/>
+            <a:ext cx="9958622" cy="6122031"/>
             <a:chOff x="9875139" y="9875236"/>
             <a:chExt cx="10510634" cy="5999619"/>
           </a:xfrm>
@@ -6637,180 +6559,180 @@
                 <a:lstStyle/>
                 <a:p>
                   <a:r>
-                    <a:rPr lang="zh-TW" altLang="en-US" sz="2000" u="sng">
+                    <a:rPr lang="zh-TW" altLang="en-US" sz="2000" u="sng" dirty="0">
                       <a:latin typeface="+mj-ea"/>
                       <a:ea typeface="+mj-ea"/>
                     </a:rPr>
                     <a:t>使用</a:t>
                   </a:r>
                   <a:r>
-                    <a:rPr lang="en-US" altLang="zh-TW" sz="2000" u="sng">
+                    <a:rPr lang="en-US" altLang="zh-TW" sz="2000" u="sng" dirty="0">
                       <a:latin typeface="+mj-ea"/>
                     </a:rPr>
                     <a:t>128</a:t>
                   </a:r>
                   <a:r>
-                    <a:rPr lang="zh-TW" altLang="en-US" sz="2000" u="sng">
+                    <a:rPr lang="zh-TW" altLang="en-US" sz="2000" u="sng" dirty="0">
                       <a:latin typeface="+mj-ea"/>
                     </a:rPr>
                     <a:t>個</a:t>
                   </a:r>
                   <a:r>
-                    <a:rPr lang="en-US" altLang="zh-TW" sz="2000" u="sng">
+                    <a:rPr lang="en-US" altLang="zh-TW" sz="2000" u="sng" dirty="0">
                       <a:latin typeface="+mj-ea"/>
                     </a:rPr>
                     <a:t>address</a:t>
                   </a:r>
                   <a:r>
-                    <a:rPr lang="zh-TW" altLang="en-US" sz="2000" u="sng">
+                    <a:rPr lang="zh-TW" altLang="en-US" sz="2000" u="sng" dirty="0">
                       <a:latin typeface="+mj-ea"/>
                     </a:rPr>
                     <a:t>紀錄</a:t>
                   </a:r>
                   <a:r>
-                    <a:rPr lang="en-US" altLang="zh-TW" sz="2000" u="sng">
+                    <a:rPr lang="en-US" altLang="zh-TW" sz="2000" u="sng" dirty="0">
                       <a:latin typeface="+mj-ea"/>
                     </a:rPr>
                     <a:t>:</a:t>
                   </a:r>
                   <a:r>
-                    <a:rPr lang="zh-TW" altLang="en-US" sz="2000" u="sng">
+                    <a:rPr lang="zh-TW" altLang="en-US" sz="2000" u="sng" dirty="0">
                       <a:latin typeface="+mj-ea"/>
                     </a:rPr>
                     <a:t>       </a:t>
                   </a:r>
-                  <a:endParaRPr lang="en-US" altLang="zh-TW" sz="2000" u="sng">
+                  <a:endParaRPr lang="en-US" altLang="zh-TW" sz="2000" u="sng" dirty="0">
                     <a:latin typeface="+mj-ea"/>
                   </a:endParaRPr>
                 </a:p>
                 <a:p>
                   <a:r>
-                    <a:rPr lang="en-US" altLang="zh-TW" sz="2000">
+                    <a:rPr lang="en-US" altLang="zh-TW" sz="2000" dirty="0">
                       <a:latin typeface="+mj-ea"/>
                       <a:ea typeface="+mj-ea"/>
                     </a:rPr>
                     <a:t>[4]-[8] : </a:t>
                   </a:r>
                   <a:r>
-                    <a:rPr lang="zh-TW" altLang="en-US" sz="2000">
+                    <a:rPr lang="zh-TW" altLang="en-US" sz="2000" dirty="0">
                       <a:latin typeface="+mj-ea"/>
                       <a:ea typeface="+mj-ea"/>
                     </a:rPr>
                     <a:t>使用者輸入資料</a:t>
                   </a:r>
                   <a:r>
-                    <a:rPr lang="en-US" altLang="zh-TW" sz="2000">
+                    <a:rPr lang="en-US" altLang="zh-TW" sz="2000" dirty="0">
                       <a:latin typeface="+mj-ea"/>
                       <a:ea typeface="+mj-ea"/>
                     </a:rPr>
                     <a:t>(</a:t>
                   </a:r>
                   <a:r>
-                    <a:rPr lang="en-US" altLang="zh-TW" sz="2000">
+                    <a:rPr lang="en-US" altLang="zh-TW" sz="2000" dirty="0">
                       <a:latin typeface="+mj-ea"/>
                     </a:rPr>
                     <a:t>5</a:t>
                   </a:r>
                   <a:r>
-                    <a:rPr lang="zh-TW" altLang="en-US" sz="2000">
+                    <a:rPr lang="zh-TW" altLang="en-US" sz="2000" dirty="0">
                       <a:latin typeface="+mj-ea"/>
                     </a:rPr>
                     <a:t>筆</a:t>
                   </a:r>
                   <a:r>
-                    <a:rPr lang="en-US" altLang="zh-TW" sz="2000">
+                    <a:rPr lang="en-US" altLang="zh-TW" sz="2000" dirty="0">
                       <a:latin typeface="+mj-ea"/>
                     </a:rPr>
                     <a:t>RAM)</a:t>
                   </a:r>
-                  <a:endParaRPr lang="en-US" altLang="zh-TW" sz="2000">
+                  <a:endParaRPr lang="en-US" altLang="zh-TW" sz="2000" dirty="0">
                     <a:latin typeface="+mj-ea"/>
                     <a:ea typeface="+mj-ea"/>
                   </a:endParaRPr>
                 </a:p>
                 <a:p>
                   <a:r>
-                    <a:rPr lang="en-US" altLang="zh-TW" sz="2000">
+                    <a:rPr lang="en-US" altLang="zh-TW" sz="2000" dirty="0">
                       <a:latin typeface="+mj-ea"/>
                       <a:ea typeface="+mj-ea"/>
                     </a:rPr>
                     <a:t>[9]-[10]</a:t>
                   </a:r>
                   <a:r>
-                    <a:rPr lang="zh-TW" altLang="en-US" sz="2000">
+                    <a:rPr lang="zh-TW" altLang="en-US" sz="2000" dirty="0">
                       <a:latin typeface="+mj-ea"/>
                       <a:ea typeface="+mj-ea"/>
                     </a:rPr>
                     <a:t> </a:t>
                   </a:r>
                   <a:r>
-                    <a:rPr lang="en-US" altLang="zh-TW" sz="2000">
+                    <a:rPr lang="en-US" altLang="zh-TW" sz="2000" dirty="0">
                       <a:latin typeface="+mj-ea"/>
                       <a:ea typeface="+mj-ea"/>
                     </a:rPr>
                     <a:t>:</a:t>
                   </a:r>
                   <a:r>
-                    <a:rPr lang="zh-TW" altLang="en-US" sz="2000">
+                    <a:rPr lang="zh-TW" altLang="en-US" sz="2000" dirty="0">
                       <a:latin typeface="+mj-ea"/>
                       <a:ea typeface="+mj-ea"/>
                     </a:rPr>
                     <a:t> 執行的加解密種類</a:t>
                   </a:r>
-                  <a:endParaRPr lang="en-US" altLang="zh-TW" sz="2000">
+                  <a:endParaRPr lang="en-US" altLang="zh-TW" sz="2000" dirty="0">
                     <a:latin typeface="+mj-ea"/>
                     <a:ea typeface="+mj-ea"/>
                   </a:endParaRPr>
                 </a:p>
                 <a:p>
                   <a:r>
-                    <a:rPr lang="en-US" altLang="zh-TW" sz="2000">
+                    <a:rPr lang="en-US" altLang="zh-TW" sz="2000" dirty="0">
                       <a:latin typeface="+mj-ea"/>
                       <a:ea typeface="+mj-ea"/>
                     </a:rPr>
                     <a:t>[13]-[16]</a:t>
                   </a:r>
                   <a:r>
-                    <a:rPr lang="zh-TW" altLang="en-US" sz="2000">
+                    <a:rPr lang="zh-TW" altLang="en-US" sz="2000" dirty="0">
                       <a:latin typeface="+mj-ea"/>
                       <a:ea typeface="+mj-ea"/>
                     </a:rPr>
                     <a:t> </a:t>
                   </a:r>
                   <a:r>
-                    <a:rPr lang="en-US" altLang="zh-TW" sz="2000">
+                    <a:rPr lang="en-US" altLang="zh-TW" sz="2000" dirty="0">
                       <a:latin typeface="+mj-ea"/>
                       <a:ea typeface="+mj-ea"/>
                     </a:rPr>
                     <a:t>:</a:t>
                   </a:r>
                   <a:r>
-                    <a:rPr lang="zh-TW" altLang="en-US" sz="2000">
+                    <a:rPr lang="zh-TW" altLang="en-US" sz="2000" dirty="0">
                       <a:latin typeface="+mj-ea"/>
                       <a:ea typeface="+mj-ea"/>
                     </a:rPr>
                     <a:t> </a:t>
                   </a:r>
                   <a:r>
-                    <a:rPr lang="zh-TW" altLang="en-US" sz="2000">
+                    <a:rPr lang="zh-TW" altLang="en-US" sz="2000" dirty="0">
                       <a:latin typeface="+mj-ea"/>
                     </a:rPr>
                     <a:t>使用者輸入資料</a:t>
                   </a:r>
                   <a:r>
-                    <a:rPr lang="en-US" altLang="zh-TW" sz="2000">
+                    <a:rPr lang="en-US" altLang="zh-TW" sz="2000" dirty="0">
                       <a:latin typeface="+mj-ea"/>
                     </a:rPr>
                     <a:t>(4</a:t>
                   </a:r>
                   <a:r>
-                    <a:rPr lang="zh-TW" altLang="en-US" sz="2000">
+                    <a:rPr lang="zh-TW" altLang="en-US" sz="2000" dirty="0">
                       <a:latin typeface="+mj-ea"/>
                     </a:rPr>
                     <a:t>筆</a:t>
                   </a:r>
                   <a:r>
-                    <a:rPr lang="en-US" altLang="zh-TW" sz="2000">
+                    <a:rPr lang="en-US" altLang="zh-TW" sz="2000" dirty="0">
                       <a:latin typeface="+mj-ea"/>
                     </a:rPr>
                     <a:t>RAM)</a:t>
@@ -6818,30 +6740,30 @@
                 </a:p>
                 <a:p>
                   <a:r>
-                    <a:rPr lang="en-US" altLang="zh-TW" sz="2000">
+                    <a:rPr lang="en-US" altLang="zh-TW" sz="2000" dirty="0">
                       <a:latin typeface="+mj-ea"/>
                     </a:rPr>
                     <a:t>[24]-[33]</a:t>
                   </a:r>
                   <a:r>
-                    <a:rPr lang="zh-TW" altLang="en-US" sz="2000">
+                    <a:rPr lang="zh-TW" altLang="en-US" sz="2000" dirty="0">
                       <a:latin typeface="+mj-ea"/>
                     </a:rPr>
                     <a:t> </a:t>
                   </a:r>
                   <a:r>
-                    <a:rPr lang="en-US" altLang="zh-TW" sz="2000">
+                    <a:rPr lang="en-US" altLang="zh-TW" sz="2000" dirty="0">
                       <a:latin typeface="+mj-ea"/>
                     </a:rPr>
                     <a:t>:</a:t>
                   </a:r>
                   <a:r>
-                    <a:rPr lang="zh-TW" altLang="en-US" sz="2000">
+                    <a:rPr lang="zh-TW" altLang="en-US" sz="2000" dirty="0">
                       <a:latin typeface="+mj-ea"/>
                     </a:rPr>
                     <a:t> 使用者輸入金鑰</a:t>
                   </a:r>
-                  <a:endParaRPr lang="en-US" altLang="zh-TW" sz="2000">
+                  <a:endParaRPr lang="en-US" altLang="zh-TW" sz="2000" dirty="0">
                     <a:latin typeface="+mj-ea"/>
                     <a:ea typeface="+mj-ea"/>
                   </a:endParaRPr>
@@ -6865,7 +6787,7 @@
             <p:nvPr/>
           </p:nvPicPr>
           <p:blipFill>
-            <a:blip r:embed="rId10"/>
+            <a:blip r:embed="rId9"/>
             <a:stretch>
               <a:fillRect/>
             </a:stretch>
@@ -6895,7 +6817,7 @@
         </p:nvSpPr>
         <p:spPr>
           <a:xfrm>
-            <a:off x="14361764" y="11333478"/>
+            <a:off x="5075145" y="15980802"/>
             <a:ext cx="4518727" cy="1015663"/>
           </a:xfrm>
           <a:prstGeom prst="rect">
@@ -6910,103 +6832,103 @@
           <a:lstStyle/>
           <a:p>
             <a:r>
-              <a:rPr lang="en-US" altLang="zh-TW" sz="2000">
+              <a:rPr lang="en-US" altLang="zh-TW" sz="2000" dirty="0">
                 <a:latin typeface="+mj-ea"/>
                 <a:ea typeface="+mj-ea"/>
               </a:rPr>
               <a:t>[60]</a:t>
             </a:r>
             <a:r>
-              <a:rPr lang="zh-TW" altLang="en-US" sz="2000">
+              <a:rPr lang="zh-TW" altLang="en-US" sz="2000" dirty="0">
                 <a:latin typeface="+mj-ea"/>
                 <a:ea typeface="+mj-ea"/>
               </a:rPr>
               <a:t> </a:t>
             </a:r>
             <a:r>
-              <a:rPr lang="en-US" altLang="zh-TW" sz="2000">
+              <a:rPr lang="en-US" altLang="zh-TW" sz="2000" dirty="0">
                 <a:latin typeface="+mj-ea"/>
                 <a:ea typeface="+mj-ea"/>
               </a:rPr>
               <a:t>:</a:t>
             </a:r>
             <a:r>
-              <a:rPr lang="zh-TW" altLang="en-US" sz="2000">
+              <a:rPr lang="zh-TW" altLang="en-US" sz="2000" dirty="0">
                 <a:latin typeface="+mj-ea"/>
                 <a:ea typeface="+mj-ea"/>
               </a:rPr>
               <a:t> </a:t>
             </a:r>
             <a:r>
-              <a:rPr lang="en-US" altLang="zh-TW" sz="2000">
+              <a:rPr lang="en-US" altLang="zh-TW" sz="2000" dirty="0">
                 <a:latin typeface="+mj-ea"/>
                 <a:ea typeface="+mj-ea"/>
               </a:rPr>
               <a:t>AES</a:t>
             </a:r>
             <a:r>
-              <a:rPr lang="zh-TW" altLang="en-US" sz="2000">
+              <a:rPr lang="zh-TW" altLang="en-US" sz="2000" dirty="0">
                 <a:latin typeface="+mj-ea"/>
                 <a:ea typeface="+mj-ea"/>
               </a:rPr>
               <a:t>解密後資料種類</a:t>
             </a:r>
-            <a:endParaRPr lang="en-US" altLang="zh-TW" sz="2000">
+            <a:endParaRPr lang="en-US" altLang="zh-TW" sz="2000" dirty="0">
               <a:latin typeface="+mj-ea"/>
               <a:ea typeface="+mj-ea"/>
             </a:endParaRPr>
           </a:p>
           <a:p>
             <a:r>
-              <a:rPr lang="en-US" altLang="zh-TW" sz="2000">
+              <a:rPr lang="en-US" altLang="zh-TW" sz="2000" dirty="0">
                 <a:latin typeface="+mj-ea"/>
               </a:rPr>
               <a:t>[64]-[68]</a:t>
             </a:r>
             <a:r>
-              <a:rPr lang="zh-TW" altLang="en-US" sz="2000">
+              <a:rPr lang="zh-TW" altLang="en-US" sz="2000" dirty="0">
                 <a:latin typeface="+mj-ea"/>
               </a:rPr>
               <a:t> </a:t>
             </a:r>
             <a:r>
-              <a:rPr lang="en-US" altLang="zh-TW" sz="2000">
+              <a:rPr lang="en-US" altLang="zh-TW" sz="2000" dirty="0">
                 <a:latin typeface="+mj-ea"/>
               </a:rPr>
               <a:t>:</a:t>
             </a:r>
             <a:r>
-              <a:rPr lang="zh-TW" altLang="en-US" sz="2000">
+              <a:rPr lang="zh-TW" altLang="en-US" sz="2000" dirty="0">
                 <a:latin typeface="+mj-ea"/>
               </a:rPr>
               <a:t> </a:t>
             </a:r>
             <a:r>
-              <a:rPr lang="en-US" altLang="zh-TW" sz="2000">
+              <a:rPr lang="en-US" altLang="zh-TW" sz="2000" dirty="0">
                 <a:latin typeface="+mj-ea"/>
               </a:rPr>
               <a:t>AES</a:t>
             </a:r>
             <a:r>
-              <a:rPr lang="zh-TW" altLang="en-US" sz="2000">
+              <a:rPr lang="zh-TW" altLang="en-US" sz="2000" dirty="0">
                 <a:latin typeface="+mj-ea"/>
               </a:rPr>
               <a:t>解密後資料</a:t>
             </a:r>
             <a:r>
-              <a:rPr lang="en-US" altLang="zh-TW" sz="2000">
+              <a:rPr lang="en-US" altLang="zh-TW" sz="2000" dirty="0">
                 <a:latin typeface="+mj-ea"/>
               </a:rPr>
               <a:t>(5</a:t>
             </a:r>
             <a:r>
-              <a:rPr lang="zh-TW" altLang="en-US" sz="2000">
+              <a:rPr lang="zh-TW" altLang="en-US" sz="2000" dirty="0">
                 <a:latin typeface="+mj-ea"/>
               </a:rPr>
               <a:t>筆</a:t>
             </a:r>
             <a:r>
-              <a:rPr lang="en-US" altLang="zh-TW" sz="2000">
+              <a:rPr lang="en-US" altLang="zh-TW" sz="2000" dirty="0">
                 <a:latin typeface="+mj-ea"/>
               </a:rPr>
               <a:t>RAM)</a:t>
@@ -7014,55 +6936,55 @@
           </a:p>
           <a:p>
             <a:r>
-              <a:rPr lang="en-US" altLang="zh-TW" sz="2000">
+              <a:rPr lang="en-US" altLang="zh-TW" sz="2000" dirty="0">
                 <a:latin typeface="+mj-ea"/>
               </a:rPr>
               <a:t>[73]-[76]</a:t>
             </a:r>
             <a:r>
-              <a:rPr lang="zh-TW" altLang="en-US" sz="2000">
+              <a:rPr lang="zh-TW" altLang="en-US" sz="2000" dirty="0">
                 <a:latin typeface="+mj-ea"/>
               </a:rPr>
               <a:t> </a:t>
             </a:r>
             <a:r>
-              <a:rPr lang="en-US" altLang="zh-TW" sz="2000">
+              <a:rPr lang="en-US" altLang="zh-TW" sz="2000" dirty="0">
                 <a:latin typeface="+mj-ea"/>
               </a:rPr>
               <a:t>:</a:t>
             </a:r>
             <a:r>
-              <a:rPr lang="zh-TW" altLang="en-US" sz="2000">
+              <a:rPr lang="zh-TW" altLang="en-US" sz="2000" dirty="0">
                 <a:latin typeface="+mj-ea"/>
               </a:rPr>
               <a:t> </a:t>
             </a:r>
             <a:r>
-              <a:rPr lang="en-US" altLang="zh-TW" sz="2000">
+              <a:rPr lang="en-US" altLang="zh-TW" sz="2000" dirty="0">
                 <a:latin typeface="+mj-ea"/>
               </a:rPr>
               <a:t>AES</a:t>
             </a:r>
             <a:r>
-              <a:rPr lang="zh-TW" altLang="en-US" sz="2000">
+              <a:rPr lang="zh-TW" altLang="en-US" sz="2000" dirty="0">
                 <a:latin typeface="+mj-ea"/>
               </a:rPr>
               <a:t>解密後資料</a:t>
             </a:r>
             <a:r>
-              <a:rPr lang="en-US" altLang="zh-TW" sz="2000">
+              <a:rPr lang="en-US" altLang="zh-TW" sz="2000" dirty="0">
                 <a:latin typeface="+mj-ea"/>
               </a:rPr>
               <a:t>(4</a:t>
             </a:r>
             <a:r>
-              <a:rPr lang="zh-TW" altLang="en-US" sz="2000">
+              <a:rPr lang="zh-TW" altLang="en-US" sz="2000" dirty="0">
                 <a:latin typeface="+mj-ea"/>
               </a:rPr>
               <a:t>筆</a:t>
             </a:r>
             <a:r>
-              <a:rPr lang="en-US" altLang="zh-TW" sz="2000">
+              <a:rPr lang="en-US" altLang="zh-TW" sz="2000" dirty="0">
                 <a:latin typeface="+mj-ea"/>
               </a:rPr>
               <a:t>RAM)</a:t>
@@ -7085,15 +7007,178 @@
           <p:nvPr/>
         </p:nvPicPr>
         <p:blipFill>
-          <a:blip r:embed="rId11"/>
+          <a:blip r:embed="rId10"/>
           <a:stretch>
             <a:fillRect/>
           </a:stretch>
         </p:blipFill>
         <p:spPr>
           <a:xfrm>
-            <a:off x="904966" y="23413476"/>
-            <a:ext cx="9026762" cy="5052058"/>
+            <a:off x="647388" y="21855545"/>
+            <a:ext cx="10317099" cy="5774228"/>
+          </a:xfrm>
+          <a:prstGeom prst="rect">
+            <a:avLst/>
+          </a:prstGeom>
+        </p:spPr>
+      </p:pic>
+      <p:sp>
+        <p:nvSpPr>
+          <p:cNvPr id="39" name="文字方塊 38">
+            <a:extLst>
+              <a:ext uri="{FF2B5EF4-FFF2-40B4-BE49-F238E27FC236}">
+                <a16:creationId xmlns:a16="http://schemas.microsoft.com/office/drawing/2014/main" id="{F4FFAE36-119E-BD9C-D914-D36B07171C13}"/>
+              </a:ext>
+            </a:extLst>
+          </p:cNvPr>
+          <p:cNvSpPr txBox="1"/>
+          <p:nvPr/>
+        </p:nvSpPr>
+        <p:spPr>
+          <a:xfrm>
+            <a:off x="11487623" y="14616417"/>
+            <a:ext cx="3766232" cy="800843"/>
+          </a:xfrm>
+          <a:prstGeom prst="rect">
+            <a:avLst/>
+          </a:prstGeom>
+          <a:solidFill>
+            <a:schemeClr val="accent1"/>
+          </a:solidFill>
+          <a:ln>
+            <a:solidFill>
+              <a:schemeClr val="accent1">
+                <a:lumMod val="75000"/>
+              </a:schemeClr>
+            </a:solidFill>
+          </a:ln>
+        </p:spPr>
+        <p:txBody>
+          <a:bodyPr wrap="square" rtlCol="0">
+            <a:spAutoFit/>
+          </a:bodyPr>
+          <a:lstStyle/>
+          <a:p>
+            <a:pPr algn="ctr"/>
+            <a:r>
+              <a:rPr lang="en-US" altLang="zh-TW" sz="4500" dirty="0" err="1">
+                <a:solidFill>
+                  <a:schemeClr val="bg1"/>
+                </a:solidFill>
+              </a:rPr>
+              <a:t>Aes</a:t>
+            </a:r>
+            <a:r>
+              <a:rPr lang="zh-TW" altLang="en-US" sz="4500" dirty="0">
+                <a:solidFill>
+                  <a:schemeClr val="bg1"/>
+                </a:solidFill>
+              </a:rPr>
+              <a:t>原理</a:t>
+            </a:r>
+          </a:p>
+        </p:txBody>
+      </p:sp>
+      <p:sp>
+        <p:nvSpPr>
+          <p:cNvPr id="64" name="文字方塊 63">
+            <a:extLst>
+              <a:ext uri="{FF2B5EF4-FFF2-40B4-BE49-F238E27FC236}">
+                <a16:creationId xmlns:a16="http://schemas.microsoft.com/office/drawing/2014/main" id="{B63AC31B-9071-2482-0308-886DF5033962}"/>
+              </a:ext>
+            </a:extLst>
+          </p:cNvPr>
+          <p:cNvSpPr txBox="1"/>
+          <p:nvPr/>
+        </p:nvSpPr>
+        <p:spPr>
+          <a:xfrm>
+            <a:off x="12318468" y="23188597"/>
+            <a:ext cx="6405710" cy="707886"/>
+          </a:xfrm>
+          <a:prstGeom prst="rect">
+            <a:avLst/>
+          </a:prstGeom>
+          <a:noFill/>
+        </p:spPr>
+        <p:txBody>
+          <a:bodyPr wrap="square" rtlCol="0">
+            <a:spAutoFit/>
+          </a:bodyPr>
+          <a:lstStyle/>
+          <a:p>
+            <a:r>
+              <a:rPr lang="zh-TW" altLang="en-US" sz="2000" dirty="0"/>
+              <a:t>使用</a:t>
+            </a:r>
+            <a:r>
+              <a:rPr lang="en-US" altLang="zh-TW" sz="2000" dirty="0">
+                <a:latin typeface="+mn-ea"/>
+              </a:rPr>
+              <a:t>RS232</a:t>
+            </a:r>
+            <a:r>
+              <a:rPr lang="zh-TW" altLang="en-US" sz="2000" dirty="0"/>
+              <a:t>測試軟體實作，令使用者輸入</a:t>
+            </a:r>
+            <a:r>
+              <a:rPr lang="en-US" altLang="zh-TW" sz="2000" dirty="0"/>
+              <a:t>key</a:t>
+            </a:r>
+            <a:r>
+              <a:rPr lang="zh-TW" altLang="en-US" sz="2000" dirty="0"/>
+              <a:t>及</a:t>
+            </a:r>
+            <a:r>
+              <a:rPr lang="en-US" altLang="zh-TW" sz="2000" dirty="0"/>
+              <a:t>data</a:t>
+            </a:r>
+            <a:r>
+              <a:rPr lang="zh-TW" altLang="en-US" sz="2000" dirty="0"/>
+              <a:t>後，若與程式內建</a:t>
+            </a:r>
+            <a:r>
+              <a:rPr lang="en-US" altLang="zh-TW" sz="2000" dirty="0"/>
+              <a:t>key</a:t>
+            </a:r>
+            <a:r>
+              <a:rPr lang="zh-TW" altLang="en-US" sz="2000" dirty="0"/>
+              <a:t>比對符合，可對</a:t>
+            </a:r>
+            <a:r>
+              <a:rPr lang="en-US" altLang="zh-TW" sz="2000" dirty="0"/>
+              <a:t>data</a:t>
+            </a:r>
+            <a:r>
+              <a:rPr lang="zh-TW" altLang="en-US" sz="2000" dirty="0"/>
+              <a:t>進行加解密。</a:t>
+            </a:r>
+          </a:p>
+        </p:txBody>
+      </p:sp>
+      <p:pic>
+        <p:nvPicPr>
+          <p:cNvPr id="67" name="圖片 66">
+            <a:extLst>
+              <a:ext uri="{FF2B5EF4-FFF2-40B4-BE49-F238E27FC236}">
+                <a16:creationId xmlns:a16="http://schemas.microsoft.com/office/drawing/2014/main" id="{E32DB260-E87E-1E0F-C634-FE310843EAB5}"/>
+              </a:ext>
+            </a:extLst>
+          </p:cNvPr>
+          <p:cNvPicPr>
+            <a:picLocks noChangeAspect="1"/>
+          </p:cNvPicPr>
+          <p:nvPr/>
+        </p:nvPicPr>
+        <p:blipFill rotWithShape="1">
+          <a:blip r:embed="rId11"/>
+          <a:srcRect l="17460" t="27577" r="19213" b="16499"/>
+          <a:stretch/>
+        </p:blipFill>
+        <p:spPr>
+          <a:xfrm>
+            <a:off x="10451769" y="23979810"/>
+            <a:ext cx="10384030" cy="5158103"/>
           </a:xfrm>
           <a:prstGeom prst="rect">
             <a:avLst/>
